--- a/_book/plot/unnamed-chunk-65-1.pptx
+++ b/_book/plot/unnamed-chunk-65-1.pptx
@@ -3218,7 +3218,7 @@
           </p:nvSpPr>
           <p:spPr>
             <a:xfrm>
-              <a:off x="2893264" y="1590617"/>
+              <a:off x="3289042" y="1590617"/>
               <a:ext cx="0" cy="4048310"/>
             </a:xfrm>
             <a:custGeom>
@@ -3261,7 +3261,7 @@
           </p:nvSpPr>
           <p:spPr>
             <a:xfrm>
-              <a:off x="4632696" y="1590617"/>
+              <a:off x="5820029" y="1590617"/>
               <a:ext cx="0" cy="4048310"/>
             </a:xfrm>
             <a:custGeom>
@@ -3304,7 +3304,7 @@
           </p:nvSpPr>
           <p:spPr>
             <a:xfrm>
-              <a:off x="6372127" y="1590617"/>
+              <a:off x="8351017" y="1590617"/>
               <a:ext cx="0" cy="4048310"/>
             </a:xfrm>
             <a:custGeom>
@@ -3347,26 +3347,26 @@
           </p:nvSpPr>
           <p:spPr>
             <a:xfrm>
-              <a:off x="8111558" y="1590617"/>
-              <a:ext cx="0" cy="4048310"/>
+              <a:off x="2023549" y="5301568"/>
+              <a:ext cx="6913543" cy="0"/>
             </a:xfrm>
             <a:custGeom>
               <a:avLst/>
               <a:pathLst>
-                <a:path w="0" h="4048310">
+                <a:path w="6913543" h="0">
                   <a:moveTo>
-                    <a:pt x="0" y="4048310"/>
+                    <a:pt x="0" y="0"/>
                   </a:moveTo>
                   <a:lnTo>
-                    <a:pt x="0" y="0"/>
+                    <a:pt x="6913543" y="0"/>
                   </a:lnTo>
                   <a:lnTo>
-                    <a:pt x="0" y="0"/>
+                    <a:pt x="6913543" y="0"/>
                   </a:lnTo>
                 </a:path>
               </a:pathLst>
             </a:custGeom>
-            <a:ln w="3387" cap="flat">
+            <a:ln w="6775" cap="flat">
               <a:solidFill>
                 <a:srgbClr val="DEDEDE">
                   <a:alpha val="100000"/>
@@ -3390,7 +3390,7 @@
           </p:nvSpPr>
           <p:spPr>
             <a:xfrm>
-              <a:off x="2023549" y="5374907"/>
+              <a:off x="2023549" y="4739303"/>
               <a:ext cx="6913543" cy="0"/>
             </a:xfrm>
             <a:custGeom>
@@ -3433,7 +3433,7 @@
           </p:nvSpPr>
           <p:spPr>
             <a:xfrm>
-              <a:off x="2023549" y="4934873"/>
+              <a:off x="2023549" y="4177037"/>
               <a:ext cx="6913543" cy="0"/>
             </a:xfrm>
             <a:custGeom>
@@ -3476,7 +3476,7 @@
           </p:nvSpPr>
           <p:spPr>
             <a:xfrm>
-              <a:off x="2023549" y="4494840"/>
+              <a:off x="2023549" y="3614772"/>
               <a:ext cx="6913543" cy="0"/>
             </a:xfrm>
             <a:custGeom>
@@ -3519,7 +3519,7 @@
           </p:nvSpPr>
           <p:spPr>
             <a:xfrm>
-              <a:off x="2023549" y="4054806"/>
+              <a:off x="2023549" y="3052507"/>
               <a:ext cx="6913543" cy="0"/>
             </a:xfrm>
             <a:custGeom>
@@ -3562,7 +3562,7 @@
           </p:nvSpPr>
           <p:spPr>
             <a:xfrm>
-              <a:off x="2023549" y="3614772"/>
+              <a:off x="2023549" y="2490241"/>
               <a:ext cx="6913543" cy="0"/>
             </a:xfrm>
             <a:custGeom>
@@ -3605,7 +3605,7 @@
           </p:nvSpPr>
           <p:spPr>
             <a:xfrm>
-              <a:off x="2023549" y="3174738"/>
+              <a:off x="2023549" y="1927976"/>
               <a:ext cx="6913543" cy="0"/>
             </a:xfrm>
             <a:custGeom>
@@ -3648,135 +3648,6 @@
           </p:nvSpPr>
           <p:spPr>
             <a:xfrm>
-              <a:off x="2023549" y="2734705"/>
-              <a:ext cx="6913543" cy="0"/>
-            </a:xfrm>
-            <a:custGeom>
-              <a:avLst/>
-              <a:pathLst>
-                <a:path w="6913543" h="0">
-                  <a:moveTo>
-                    <a:pt x="0" y="0"/>
-                  </a:moveTo>
-                  <a:lnTo>
-                    <a:pt x="6913543" y="0"/>
-                  </a:lnTo>
-                  <a:lnTo>
-                    <a:pt x="6913543" y="0"/>
-                  </a:lnTo>
-                </a:path>
-              </a:pathLst>
-            </a:custGeom>
-            <a:ln w="6775" cap="flat">
-              <a:solidFill>
-                <a:srgbClr val="DEDEDE">
-                  <a:alpha val="100000"/>
-                </a:srgbClr>
-              </a:solidFill>
-              <a:prstDash val="solid"/>
-              <a:round/>
-            </a:ln>
-          </p:spPr>
-          <p:txBody>
-            <a:bodyPr/>
-            <a:lstStyle/>
-            <a:p/>
-          </p:txBody>
-        </p:sp>
-        <p:sp>
-          <p:nvSpPr>
-            <p:cNvPr id="17" name="pl17"/>
-            <p:cNvSpPr/>
-            <p:nvPr/>
-          </p:nvSpPr>
-          <p:spPr>
-            <a:xfrm>
-              <a:off x="2023549" y="2294671"/>
-              <a:ext cx="6913543" cy="0"/>
-            </a:xfrm>
-            <a:custGeom>
-              <a:avLst/>
-              <a:pathLst>
-                <a:path w="6913543" h="0">
-                  <a:moveTo>
-                    <a:pt x="0" y="0"/>
-                  </a:moveTo>
-                  <a:lnTo>
-                    <a:pt x="6913543" y="0"/>
-                  </a:lnTo>
-                  <a:lnTo>
-                    <a:pt x="6913543" y="0"/>
-                  </a:lnTo>
-                </a:path>
-              </a:pathLst>
-            </a:custGeom>
-            <a:ln w="6775" cap="flat">
-              <a:solidFill>
-                <a:srgbClr val="DEDEDE">
-                  <a:alpha val="100000"/>
-                </a:srgbClr>
-              </a:solidFill>
-              <a:prstDash val="solid"/>
-              <a:round/>
-            </a:ln>
-          </p:spPr>
-          <p:txBody>
-            <a:bodyPr/>
-            <a:lstStyle/>
-            <a:p/>
-          </p:txBody>
-        </p:sp>
-        <p:sp>
-          <p:nvSpPr>
-            <p:cNvPr id="18" name="pl18"/>
-            <p:cNvSpPr/>
-            <p:nvPr/>
-          </p:nvSpPr>
-          <p:spPr>
-            <a:xfrm>
-              <a:off x="2023549" y="1854637"/>
-              <a:ext cx="6913543" cy="0"/>
-            </a:xfrm>
-            <a:custGeom>
-              <a:avLst/>
-              <a:pathLst>
-                <a:path w="6913543" h="0">
-                  <a:moveTo>
-                    <a:pt x="0" y="0"/>
-                  </a:moveTo>
-                  <a:lnTo>
-                    <a:pt x="6913543" y="0"/>
-                  </a:lnTo>
-                  <a:lnTo>
-                    <a:pt x="6913543" y="0"/>
-                  </a:lnTo>
-                </a:path>
-              </a:pathLst>
-            </a:custGeom>
-            <a:ln w="6775" cap="flat">
-              <a:solidFill>
-                <a:srgbClr val="DEDEDE">
-                  <a:alpha val="100000"/>
-                </a:srgbClr>
-              </a:solidFill>
-              <a:prstDash val="solid"/>
-              <a:round/>
-            </a:ln>
-          </p:spPr>
-          <p:txBody>
-            <a:bodyPr/>
-            <a:lstStyle/>
-            <a:p/>
-          </p:txBody>
-        </p:sp>
-        <p:sp>
-          <p:nvSpPr>
-            <p:cNvPr id="19" name="pl19"/>
-            <p:cNvSpPr/>
-            <p:nvPr/>
-          </p:nvSpPr>
-          <p:spPr>
-            <a:xfrm>
               <a:off x="2023549" y="1590617"/>
               <a:ext cx="0" cy="4048310"/>
             </a:xfrm>
@@ -3814,13 +3685,13 @@
         </p:sp>
         <p:sp>
           <p:nvSpPr>
-            <p:cNvPr id="20" name="pl20"/>
+            <p:cNvPr id="17" name="pl17"/>
             <p:cNvSpPr/>
             <p:nvPr/>
           </p:nvSpPr>
           <p:spPr>
             <a:xfrm>
-              <a:off x="3762980" y="1590617"/>
+              <a:off x="4554536" y="1590617"/>
               <a:ext cx="0" cy="4048310"/>
             </a:xfrm>
             <a:custGeom>
@@ -3857,13 +3728,13 @@
         </p:sp>
         <p:sp>
           <p:nvSpPr>
-            <p:cNvPr id="21" name="pl21"/>
+            <p:cNvPr id="18" name="pl18"/>
             <p:cNvSpPr/>
             <p:nvPr/>
           </p:nvSpPr>
           <p:spPr>
             <a:xfrm>
-              <a:off x="5502411" y="1590617"/>
+              <a:off x="7085523" y="1590617"/>
               <a:ext cx="0" cy="4048310"/>
             </a:xfrm>
             <a:custGeom>
@@ -3900,40 +3771,101 @@
         </p:sp>
         <p:sp>
           <p:nvSpPr>
-            <p:cNvPr id="22" name="pl22"/>
+            <p:cNvPr id="19" name="rc19"/>
             <p:cNvSpPr/>
             <p:nvPr/>
           </p:nvSpPr>
           <p:spPr>
             <a:xfrm>
-              <a:off x="7241842" y="1590617"/>
-              <a:ext cx="0" cy="4048310"/>
+              <a:off x="2023549" y="1674957"/>
+              <a:ext cx="6777983" cy="506038"/>
             </a:xfrm>
-            <a:custGeom>
+            <a:prstGeom prst="rect">
               <a:avLst/>
-              <a:pathLst>
-                <a:path w="0" h="4048310">
-                  <a:moveTo>
-                    <a:pt x="0" y="4048310"/>
-                  </a:moveTo>
-                  <a:lnTo>
-                    <a:pt x="0" y="0"/>
-                  </a:lnTo>
-                  <a:lnTo>
-                    <a:pt x="0" y="0"/>
-                  </a:lnTo>
-                </a:path>
-              </a:pathLst>
-            </a:custGeom>
-            <a:ln w="6775" cap="flat">
-              <a:solidFill>
-                <a:srgbClr val="DEDEDE">
-                  <a:alpha val="100000"/>
-                </a:srgbClr>
-              </a:solidFill>
-              <a:prstDash val="solid"/>
-              <a:round/>
-            </a:ln>
+            </a:prstGeom>
+            <a:solidFill>
+              <a:srgbClr val="595959">
+                <a:alpha val="100000"/>
+              </a:srgbClr>
+            </a:solidFill>
+          </p:spPr>
+          <p:txBody>
+            <a:bodyPr/>
+            <a:lstStyle/>
+            <a:p/>
+          </p:txBody>
+        </p:sp>
+        <p:sp>
+          <p:nvSpPr>
+            <p:cNvPr id="20" name="rc20"/>
+            <p:cNvSpPr/>
+            <p:nvPr/>
+          </p:nvSpPr>
+          <p:spPr>
+            <a:xfrm>
+              <a:off x="2023549" y="2237222"/>
+              <a:ext cx="5049319" cy="506038"/>
+            </a:xfrm>
+            <a:prstGeom prst="rect">
+              <a:avLst/>
+            </a:prstGeom>
+            <a:solidFill>
+              <a:srgbClr val="595959">
+                <a:alpha val="100000"/>
+              </a:srgbClr>
+            </a:solidFill>
+          </p:spPr>
+          <p:txBody>
+            <a:bodyPr/>
+            <a:lstStyle/>
+            <a:p/>
+          </p:txBody>
+        </p:sp>
+        <p:sp>
+          <p:nvSpPr>
+            <p:cNvPr id="21" name="rc21"/>
+            <p:cNvSpPr/>
+            <p:nvPr/>
+          </p:nvSpPr>
+          <p:spPr>
+            <a:xfrm>
+              <a:off x="2023549" y="2799487"/>
+              <a:ext cx="4839247" cy="506038"/>
+            </a:xfrm>
+            <a:prstGeom prst="rect">
+              <a:avLst/>
+            </a:prstGeom>
+            <a:solidFill>
+              <a:srgbClr val="595959">
+                <a:alpha val="100000"/>
+              </a:srgbClr>
+            </a:solidFill>
+          </p:spPr>
+          <p:txBody>
+            <a:bodyPr/>
+            <a:lstStyle/>
+            <a:p/>
+          </p:txBody>
+        </p:sp>
+        <p:sp>
+          <p:nvSpPr>
+            <p:cNvPr id="22" name="rc22"/>
+            <p:cNvSpPr/>
+            <p:nvPr/>
+          </p:nvSpPr>
+          <p:spPr>
+            <a:xfrm>
+              <a:off x="2023549" y="3361753"/>
+              <a:ext cx="4211562" cy="506038"/>
+            </a:xfrm>
+            <a:prstGeom prst="rect">
+              <a:avLst/>
+            </a:prstGeom>
+            <a:solidFill>
+              <a:srgbClr val="595959">
+                <a:alpha val="100000"/>
+              </a:srgbClr>
+            </a:solidFill>
           </p:spPr>
           <p:txBody>
             <a:bodyPr/>
@@ -3949,8 +3881,8 @@
           </p:nvSpPr>
           <p:spPr>
             <a:xfrm>
-              <a:off x="2023549" y="1656622"/>
-              <a:ext cx="6777983" cy="396030"/>
+              <a:off x="2023549" y="3924018"/>
+              <a:ext cx="3143486" cy="506038"/>
             </a:xfrm>
             <a:prstGeom prst="rect">
               <a:avLst/>
@@ -3975,8 +3907,8 @@
           </p:nvSpPr>
           <p:spPr>
             <a:xfrm>
-              <a:off x="2023549" y="2096656"/>
-              <a:ext cx="5844488" cy="396030"/>
+              <a:off x="2023549" y="4486283"/>
+              <a:ext cx="1551495" cy="506038"/>
             </a:xfrm>
             <a:prstGeom prst="rect">
               <a:avLst/>
@@ -4001,8 +3933,8 @@
           </p:nvSpPr>
           <p:spPr>
             <a:xfrm>
-              <a:off x="2023549" y="2536689"/>
-              <a:ext cx="4986369" cy="396030"/>
+              <a:off x="2023549" y="5048549"/>
+              <a:ext cx="602374" cy="506038"/>
             </a:xfrm>
             <a:prstGeom prst="rect">
               <a:avLst/>
@@ -4021,170 +3953,14 @@
         </p:sp>
         <p:sp>
           <p:nvSpPr>
-            <p:cNvPr id="26" name="rc26"/>
+            <p:cNvPr id="26" name="tx26"/>
             <p:cNvSpPr/>
             <p:nvPr/>
           </p:nvSpPr>
           <p:spPr>
             <a:xfrm>
-              <a:off x="2023549" y="2976723"/>
-              <a:ext cx="4922590" cy="396030"/>
-            </a:xfrm>
-            <a:prstGeom prst="rect">
-              <a:avLst/>
-            </a:prstGeom>
-            <a:solidFill>
-              <a:srgbClr val="595959">
-                <a:alpha val="100000"/>
-              </a:srgbClr>
-            </a:solidFill>
-          </p:spPr>
-          <p:txBody>
-            <a:bodyPr/>
-            <a:lstStyle/>
-            <a:p/>
-          </p:txBody>
-        </p:sp>
-        <p:sp>
-          <p:nvSpPr>
-            <p:cNvPr id="27" name="rc27"/>
-            <p:cNvSpPr/>
-            <p:nvPr/>
-          </p:nvSpPr>
-          <p:spPr>
-            <a:xfrm>
-              <a:off x="2023549" y="3416757"/>
-              <a:ext cx="4679069" cy="396030"/>
-            </a:xfrm>
-            <a:prstGeom prst="rect">
-              <a:avLst/>
-            </a:prstGeom>
-            <a:solidFill>
-              <a:srgbClr val="595959">
-                <a:alpha val="100000"/>
-              </a:srgbClr>
-            </a:solidFill>
-          </p:spPr>
-          <p:txBody>
-            <a:bodyPr/>
-            <a:lstStyle/>
-            <a:p/>
-          </p:txBody>
-        </p:sp>
-        <p:sp>
-          <p:nvSpPr>
-            <p:cNvPr id="28" name="rc28"/>
-            <p:cNvSpPr/>
-            <p:nvPr/>
-          </p:nvSpPr>
-          <p:spPr>
-            <a:xfrm>
-              <a:off x="2023549" y="3856791"/>
-              <a:ext cx="3722382" cy="396030"/>
-            </a:xfrm>
-            <a:prstGeom prst="rect">
-              <a:avLst/>
-            </a:prstGeom>
-            <a:solidFill>
-              <a:srgbClr val="595959">
-                <a:alpha val="100000"/>
-              </a:srgbClr>
-            </a:solidFill>
-          </p:spPr>
-          <p:txBody>
-            <a:bodyPr/>
-            <a:lstStyle/>
-            <a:p/>
-          </p:txBody>
-        </p:sp>
-        <p:sp>
-          <p:nvSpPr>
-            <p:cNvPr id="29" name="rc29"/>
-            <p:cNvSpPr/>
-            <p:nvPr/>
-          </p:nvSpPr>
-          <p:spPr>
-            <a:xfrm>
-              <a:off x="2023549" y="4296824"/>
-              <a:ext cx="1635065" cy="396030"/>
-            </a:xfrm>
-            <a:prstGeom prst="rect">
-              <a:avLst/>
-            </a:prstGeom>
-            <a:solidFill>
-              <a:srgbClr val="595959">
-                <a:alpha val="100000"/>
-              </a:srgbClr>
-            </a:solidFill>
-          </p:spPr>
-          <p:txBody>
-            <a:bodyPr/>
-            <a:lstStyle/>
-            <a:p/>
-          </p:txBody>
-        </p:sp>
-        <p:sp>
-          <p:nvSpPr>
-            <p:cNvPr id="30" name="rc30"/>
-            <p:cNvSpPr/>
-            <p:nvPr/>
-          </p:nvSpPr>
-          <p:spPr>
-            <a:xfrm>
-              <a:off x="2023549" y="4736858"/>
-              <a:ext cx="545021" cy="396030"/>
-            </a:xfrm>
-            <a:prstGeom prst="rect">
-              <a:avLst/>
-            </a:prstGeom>
-            <a:solidFill>
-              <a:srgbClr val="595959">
-                <a:alpha val="100000"/>
-              </a:srgbClr>
-            </a:solidFill>
-          </p:spPr>
-          <p:txBody>
-            <a:bodyPr/>
-            <a:lstStyle/>
-            <a:p/>
-          </p:txBody>
-        </p:sp>
-        <p:sp>
-          <p:nvSpPr>
-            <p:cNvPr id="31" name="rc31"/>
-            <p:cNvSpPr/>
-            <p:nvPr/>
-          </p:nvSpPr>
-          <p:spPr>
-            <a:xfrm>
-              <a:off x="2023549" y="5176892"/>
-              <a:ext cx="353684" cy="396030"/>
-            </a:xfrm>
-            <a:prstGeom prst="rect">
-              <a:avLst/>
-            </a:prstGeom>
-            <a:solidFill>
-              <a:srgbClr val="595959">
-                <a:alpha val="100000"/>
-              </a:srgbClr>
-            </a:solidFill>
-          </p:spPr>
-          <p:txBody>
-            <a:bodyPr/>
-            <a:lstStyle/>
-            <a:p/>
-          </p:txBody>
-        </p:sp>
-        <p:sp>
-          <p:nvSpPr>
-            <p:cNvPr id="32" name="tx32"/>
-            <p:cNvSpPr/>
-            <p:nvPr/>
-          </p:nvSpPr>
-          <p:spPr>
-            <a:xfrm>
-              <a:off x="8315710" y="1810163"/>
-              <a:ext cx="325215" cy="67753"/>
+              <a:off x="7346282" y="1883502"/>
+              <a:ext cx="1300860" cy="67753"/>
             </a:xfrm>
             <a:prstGeom prst="rect">
               <a:avLst/>
@@ -4216,66 +3992,20 @@
                   <a:latin typeface="Arial"/>
                   <a:cs typeface="Arial"/>
                 </a:rPr>
-                <a:t>消化不良</a:t>
+                <a:t>综合性跨境电商平台（如天猫国际）</a:t>
               </a:r>
             </a:p>
           </p:txBody>
         </p:sp>
         <p:sp>
           <p:nvSpPr>
-            <p:cNvPr id="33" name="tx33"/>
+            <p:cNvPr id="27" name="tx27"/>
             <p:cNvSpPr/>
             <p:nvPr/>
           </p:nvSpPr>
           <p:spPr>
             <a:xfrm>
-              <a:off x="7544823" y="2250197"/>
-              <a:ext cx="162607" cy="67753"/>
-            </a:xfrm>
-            <a:prstGeom prst="rect">
-              <a:avLst/>
-            </a:prstGeom>
-            <a:noFill/>
-          </p:spPr>
-          <p:txBody>
-            <a:bodyPr lIns="0" rIns="0" tIns="0" bIns="0" anchorCtr="1" anchor="ctr" wrap="none"/>
-            <a:lstStyle/>
-            <a:p>
-              <a:pPr algn="l" marL="0" marR="0" indent="0">
-                <a:lnSpc>
-                  <a:spcPts val="853"/>
-                </a:lnSpc>
-                <a:spcBef>
-                  <a:spcPts val="0"/>
-                </a:spcBef>
-                <a:spcAft>
-                  <a:spcPts val="0"/>
-                </a:spcAft>
-              </a:pPr>
-              <a:r>
-                <a:rPr sz="853" b="1">
-                  <a:solidFill>
-                    <a:srgbClr val="FFFFFF">
-                      <a:alpha val="100000"/>
-                    </a:srgbClr>
-                  </a:solidFill>
-                  <a:latin typeface="Arial"/>
-                  <a:cs typeface="Arial"/>
-                </a:rPr>
-                <a:t>便秘</a:t>
-              </a:r>
-            </a:p>
-          </p:txBody>
-        </p:sp>
-        <p:sp>
-          <p:nvSpPr>
-            <p:cNvPr id="34" name="tx34"/>
-            <p:cNvSpPr/>
-            <p:nvPr/>
-          </p:nvSpPr>
-          <p:spPr>
-            <a:xfrm>
-              <a:off x="5467147" y="2690231"/>
+              <a:off x="5536314" y="2445768"/>
               <a:ext cx="1382163" cy="67753"/>
             </a:xfrm>
             <a:prstGeom prst="rect">
@@ -4308,21 +4038,21 @@
                   <a:latin typeface="Arial"/>
                   <a:cs typeface="Arial"/>
                 </a:rPr>
-                <a:t>身体无碍，只为调理或改善肠道微生态</a:t>
+                <a:t>跨境购物社区（如小红书、洋码头等）</a:t>
               </a:r>
             </a:p>
           </p:txBody>
         </p:sp>
         <p:sp>
           <p:nvSpPr>
-            <p:cNvPr id="35" name="tx35"/>
+            <p:cNvPr id="28" name="tx28"/>
             <p:cNvSpPr/>
             <p:nvPr/>
           </p:nvSpPr>
           <p:spPr>
             <a:xfrm>
-              <a:off x="6622924" y="3130265"/>
-              <a:ext cx="162607" cy="67753"/>
+              <a:off x="5326242" y="3008033"/>
+              <a:ext cx="1382163" cy="67753"/>
             </a:xfrm>
             <a:prstGeom prst="rect">
               <a:avLst/>
@@ -4354,21 +4084,21 @@
                   <a:latin typeface="Arial"/>
                   <a:cs typeface="Arial"/>
                 </a:rPr>
-                <a:t>胀气</a:t>
+                <a:t>私人代购（如微博代购达人、微商等）</a:t>
               </a:r>
             </a:p>
           </p:txBody>
         </p:sp>
         <p:sp>
           <p:nvSpPr>
-            <p:cNvPr id="36" name="tx36"/>
+            <p:cNvPr id="29" name="tx29"/>
             <p:cNvSpPr/>
             <p:nvPr/>
           </p:nvSpPr>
           <p:spPr>
             <a:xfrm>
-              <a:off x="6216796" y="3570299"/>
-              <a:ext cx="325215" cy="67753"/>
+              <a:off x="5105076" y="3570299"/>
+              <a:ext cx="975645" cy="67753"/>
             </a:xfrm>
             <a:prstGeom prst="rect">
               <a:avLst/>
@@ -4400,112 +4130,20 @@
                   <a:latin typeface="Arial"/>
                   <a:cs typeface="Arial"/>
                 </a:rPr>
-                <a:t>食欲不振</a:t>
+                <a:t>海外电商平台（如亚马逊）</a:t>
               </a:r>
             </a:p>
           </p:txBody>
         </p:sp>
         <p:sp>
           <p:nvSpPr>
-            <p:cNvPr id="37" name="tx37"/>
+            <p:cNvPr id="30" name="tx30"/>
             <p:cNvSpPr/>
             <p:nvPr/>
           </p:nvSpPr>
           <p:spPr>
             <a:xfrm>
-              <a:off x="5422717" y="4010332"/>
-              <a:ext cx="162607" cy="67753"/>
-            </a:xfrm>
-            <a:prstGeom prst="rect">
-              <a:avLst/>
-            </a:prstGeom>
-            <a:noFill/>
-          </p:spPr>
-          <p:txBody>
-            <a:bodyPr lIns="0" rIns="0" tIns="0" bIns="0" anchorCtr="1" anchor="ctr" wrap="none"/>
-            <a:lstStyle/>
-            <a:p>
-              <a:pPr algn="l" marL="0" marR="0" indent="0">
-                <a:lnSpc>
-                  <a:spcPts val="853"/>
-                </a:lnSpc>
-                <a:spcBef>
-                  <a:spcPts val="0"/>
-                </a:spcBef>
-                <a:spcAft>
-                  <a:spcPts val="0"/>
-                </a:spcAft>
-              </a:pPr>
-              <a:r>
-                <a:rPr sz="853" b="1">
-                  <a:solidFill>
-                    <a:srgbClr val="FFFFFF">
-                      <a:alpha val="100000"/>
-                    </a:srgbClr>
-                  </a:solidFill>
-                  <a:latin typeface="Arial"/>
-                  <a:cs typeface="Arial"/>
-                </a:rPr>
-                <a:t>腹泻</a:t>
-              </a:r>
-            </a:p>
-          </p:txBody>
-        </p:sp>
-        <p:sp>
-          <p:nvSpPr>
-            <p:cNvPr id="38" name="tx38"/>
-            <p:cNvSpPr/>
-            <p:nvPr/>
-          </p:nvSpPr>
-          <p:spPr>
-            <a:xfrm>
-              <a:off x="3819222" y="4465886"/>
-              <a:ext cx="894341" cy="67753"/>
-            </a:xfrm>
-            <a:prstGeom prst="rect">
-              <a:avLst/>
-            </a:prstGeom>
-            <a:noFill/>
-          </p:spPr>
-          <p:txBody>
-            <a:bodyPr lIns="0" rIns="0" tIns="0" bIns="0" anchorCtr="1" anchor="ctr" wrap="none"/>
-            <a:lstStyle/>
-            <a:p>
-              <a:pPr algn="l" marL="0" marR="0" indent="0">
-                <a:lnSpc>
-                  <a:spcPts val="853"/>
-                </a:lnSpc>
-                <a:spcBef>
-                  <a:spcPts val="0"/>
-                </a:spcBef>
-                <a:spcAft>
-                  <a:spcPts val="0"/>
-                </a:spcAft>
-              </a:pPr>
-              <a:r>
-                <a:rPr sz="853">
-                  <a:solidFill>
-                    <a:srgbClr val="000000">
-                      <a:alpha val="100000"/>
-                    </a:srgbClr>
-                  </a:solidFill>
-                  <a:latin typeface="Arial"/>
-                  <a:cs typeface="Arial"/>
-                </a:rPr>
-                <a:t>肠炎（包括炎症性肠病）</a:t>
-              </a:r>
-            </a:p>
-          </p:txBody>
-        </p:sp>
-        <p:sp>
-          <p:nvSpPr>
-            <p:cNvPr id="39" name="tx39"/>
-            <p:cNvSpPr/>
-            <p:nvPr/>
-          </p:nvSpPr>
-          <p:spPr>
-            <a:xfrm>
-              <a:off x="2729178" y="4905920"/>
+              <a:off x="5321425" y="4148084"/>
               <a:ext cx="487822" cy="67753"/>
             </a:xfrm>
             <a:prstGeom prst="rect">
@@ -4538,21 +4176,21 @@
                   <a:latin typeface="Arial"/>
                   <a:cs typeface="Arial"/>
                 </a:rPr>
-                <a:t>肠易激综合征</a:t>
+                <a:t>海外品牌官网</a:t>
               </a:r>
             </a:p>
           </p:txBody>
         </p:sp>
         <p:sp>
           <p:nvSpPr>
-            <p:cNvPr id="40" name="tx40"/>
+            <p:cNvPr id="31" name="tx31"/>
             <p:cNvSpPr/>
             <p:nvPr/>
           </p:nvSpPr>
           <p:spPr>
             <a:xfrm>
-              <a:off x="2537841" y="5345953"/>
-              <a:ext cx="813037" cy="67753"/>
+              <a:off x="3729434" y="4710349"/>
+              <a:ext cx="487822" cy="67753"/>
             </a:xfrm>
             <a:prstGeom prst="rect">
               <a:avLst/>
@@ -4584,14 +4222,60 @@
                   <a:latin typeface="Arial"/>
                   <a:cs typeface="Arial"/>
                 </a:rPr>
-                <a:t>抵消抗生素摄入的影响</a:t>
+                <a:t>委托亲友代购</a:t>
               </a:r>
             </a:p>
           </p:txBody>
         </p:sp>
         <p:sp>
           <p:nvSpPr>
-            <p:cNvPr id="41" name="rc41"/>
+            <p:cNvPr id="32" name="tx32"/>
+            <p:cNvSpPr/>
+            <p:nvPr/>
+          </p:nvSpPr>
+          <p:spPr>
+            <a:xfrm>
+              <a:off x="2780314" y="5272614"/>
+              <a:ext cx="975645" cy="67753"/>
+            </a:xfrm>
+            <a:prstGeom prst="rect">
+              <a:avLst/>
+            </a:prstGeom>
+            <a:noFill/>
+          </p:spPr>
+          <p:txBody>
+            <a:bodyPr lIns="0" rIns="0" tIns="0" bIns="0" anchorCtr="1" anchor="ctr" wrap="none"/>
+            <a:lstStyle/>
+            <a:p>
+              <a:pPr algn="l" marL="0" marR="0" indent="0">
+                <a:lnSpc>
+                  <a:spcPts val="853"/>
+                </a:lnSpc>
+                <a:spcBef>
+                  <a:spcPts val="0"/>
+                </a:spcBef>
+                <a:spcAft>
+                  <a:spcPts val="0"/>
+                </a:spcAft>
+              </a:pPr>
+              <a:r>
+                <a:rPr sz="853">
+                  <a:solidFill>
+                    <a:srgbClr val="000000">
+                      <a:alpha val="100000"/>
+                    </a:srgbClr>
+                  </a:solidFill>
+                  <a:latin typeface="Arial"/>
+                  <a:cs typeface="Arial"/>
+                </a:rPr>
+                <a:t>不会选择海外品牌的益生菌</a:t>
+              </a:r>
+            </a:p>
+          </p:txBody>
+        </p:sp>
+        <p:sp>
+          <p:nvSpPr>
+            <p:cNvPr id="33" name="rc33"/>
             <p:cNvSpPr/>
             <p:nvPr/>
           </p:nvSpPr>
@@ -4621,105 +4305,13 @@
         </p:sp>
         <p:sp>
           <p:nvSpPr>
-            <p:cNvPr id="42" name="tx42"/>
+            <p:cNvPr id="34" name="tx34"/>
             <p:cNvSpPr/>
             <p:nvPr/>
           </p:nvSpPr>
           <p:spPr>
             <a:xfrm>
-              <a:off x="1926599" y="5333161"/>
-              <a:ext cx="62155" cy="81746"/>
-            </a:xfrm>
-            <a:prstGeom prst="rect">
-              <a:avLst/>
-            </a:prstGeom>
-            <a:noFill/>
-          </p:spPr>
-          <p:txBody>
-            <a:bodyPr lIns="0" rIns="0" tIns="0" bIns="0" anchorCtr="1" anchor="ctr" wrap="none"/>
-            <a:lstStyle/>
-            <a:p>
-              <a:pPr algn="l" marL="0" marR="0" indent="0">
-                <a:lnSpc>
-                  <a:spcPts val="880"/>
-                </a:lnSpc>
-                <a:spcBef>
-                  <a:spcPts val="0"/>
-                </a:spcBef>
-                <a:spcAft>
-                  <a:spcPts val="0"/>
-                </a:spcAft>
-              </a:pPr>
-              <a:r>
-                <a:rPr sz="880" b="1">
-                  <a:solidFill>
-                    <a:srgbClr val="4D4D4D">
-                      <a:alpha val="100000"/>
-                    </a:srgbClr>
-                  </a:solidFill>
-                  <a:latin typeface="Arial"/>
-                  <a:cs typeface="Arial"/>
-                </a:rPr>
-                <a:t>9</a:t>
-              </a:r>
-            </a:p>
-          </p:txBody>
-        </p:sp>
-        <p:sp>
-          <p:nvSpPr>
-            <p:cNvPr id="43" name="tx43"/>
-            <p:cNvSpPr/>
-            <p:nvPr/>
-          </p:nvSpPr>
-          <p:spPr>
-            <a:xfrm>
-              <a:off x="1926599" y="4893127"/>
-              <a:ext cx="62155" cy="81746"/>
-            </a:xfrm>
-            <a:prstGeom prst="rect">
-              <a:avLst/>
-            </a:prstGeom>
-            <a:noFill/>
-          </p:spPr>
-          <p:txBody>
-            <a:bodyPr lIns="0" rIns="0" tIns="0" bIns="0" anchorCtr="1" anchor="ctr" wrap="none"/>
-            <a:lstStyle/>
-            <a:p>
-              <a:pPr algn="l" marL="0" marR="0" indent="0">
-                <a:lnSpc>
-                  <a:spcPts val="880"/>
-                </a:lnSpc>
-                <a:spcBef>
-                  <a:spcPts val="0"/>
-                </a:spcBef>
-                <a:spcAft>
-                  <a:spcPts val="0"/>
-                </a:spcAft>
-              </a:pPr>
-              <a:r>
-                <a:rPr sz="880" b="1">
-                  <a:solidFill>
-                    <a:srgbClr val="4D4D4D">
-                      <a:alpha val="100000"/>
-                    </a:srgbClr>
-                  </a:solidFill>
-                  <a:latin typeface="Arial"/>
-                  <a:cs typeface="Arial"/>
-                </a:rPr>
-                <a:t>8</a:t>
-              </a:r>
-            </a:p>
-          </p:txBody>
-        </p:sp>
-        <p:sp>
-          <p:nvSpPr>
-            <p:cNvPr id="44" name="tx44"/>
-            <p:cNvSpPr/>
-            <p:nvPr/>
-          </p:nvSpPr>
-          <p:spPr>
-            <a:xfrm>
-              <a:off x="1926599" y="4455931"/>
+              <a:off x="1926599" y="5262660"/>
               <a:ext cx="62155" cy="78908"/>
             </a:xfrm>
             <a:prstGeom prst="rect">
@@ -4759,13 +4351,13 @@
         </p:sp>
         <p:sp>
           <p:nvSpPr>
-            <p:cNvPr id="45" name="tx45"/>
+            <p:cNvPr id="35" name="tx35"/>
             <p:cNvSpPr/>
             <p:nvPr/>
           </p:nvSpPr>
           <p:spPr>
             <a:xfrm>
-              <a:off x="1926599" y="4013114"/>
+              <a:off x="1926599" y="4697611"/>
               <a:ext cx="62155" cy="81691"/>
             </a:xfrm>
             <a:prstGeom prst="rect">
@@ -4805,13 +4397,13 @@
         </p:sp>
         <p:sp>
           <p:nvSpPr>
-            <p:cNvPr id="46" name="tx46"/>
+            <p:cNvPr id="36" name="tx36"/>
             <p:cNvSpPr/>
             <p:nvPr/>
           </p:nvSpPr>
           <p:spPr>
             <a:xfrm>
-              <a:off x="1926599" y="3574499"/>
+              <a:off x="1926599" y="4136765"/>
               <a:ext cx="62155" cy="80272"/>
             </a:xfrm>
             <a:prstGeom prst="rect">
@@ -4851,13 +4443,13 @@
         </p:sp>
         <p:sp>
           <p:nvSpPr>
-            <p:cNvPr id="47" name="tx47"/>
+            <p:cNvPr id="37" name="tx37"/>
             <p:cNvSpPr/>
             <p:nvPr/>
           </p:nvSpPr>
           <p:spPr>
             <a:xfrm>
-              <a:off x="1926599" y="3134411"/>
+              <a:off x="1926599" y="3574445"/>
               <a:ext cx="62155" cy="80327"/>
             </a:xfrm>
             <a:prstGeom prst="rect">
@@ -4897,13 +4489,13 @@
         </p:sp>
         <p:sp>
           <p:nvSpPr>
-            <p:cNvPr id="48" name="tx48"/>
+            <p:cNvPr id="38" name="tx38"/>
             <p:cNvSpPr/>
             <p:nvPr/>
           </p:nvSpPr>
           <p:spPr>
             <a:xfrm>
-              <a:off x="1926599" y="2693013"/>
+              <a:off x="1926599" y="3010815"/>
               <a:ext cx="62155" cy="81691"/>
             </a:xfrm>
             <a:prstGeom prst="rect">
@@ -4943,13 +4535,13 @@
         </p:sp>
         <p:sp>
           <p:nvSpPr>
-            <p:cNvPr id="49" name="tx49"/>
+            <p:cNvPr id="39" name="tx39"/>
             <p:cNvSpPr/>
             <p:nvPr/>
           </p:nvSpPr>
           <p:spPr>
             <a:xfrm>
-              <a:off x="1926599" y="2254343"/>
+              <a:off x="1926599" y="2449914"/>
               <a:ext cx="62155" cy="80327"/>
             </a:xfrm>
             <a:prstGeom prst="rect">
@@ -4989,13 +4581,13 @@
         </p:sp>
         <p:sp>
           <p:nvSpPr>
-            <p:cNvPr id="50" name="tx50"/>
+            <p:cNvPr id="40" name="tx40"/>
             <p:cNvSpPr/>
             <p:nvPr/>
           </p:nvSpPr>
           <p:spPr>
             <a:xfrm>
-              <a:off x="1926599" y="1814310"/>
+              <a:off x="1926599" y="1887649"/>
               <a:ext cx="62155" cy="80327"/>
             </a:xfrm>
             <a:prstGeom prst="rect">
@@ -5035,13 +4627,13 @@
         </p:sp>
         <p:sp>
           <p:nvSpPr>
-            <p:cNvPr id="51" name="pl51"/>
+            <p:cNvPr id="41" name="pl41"/>
             <p:cNvSpPr/>
             <p:nvPr/>
           </p:nvSpPr>
           <p:spPr>
             <a:xfrm>
-              <a:off x="1988754" y="5374907"/>
+              <a:off x="1988754" y="5301568"/>
               <a:ext cx="34794" cy="0"/>
             </a:xfrm>
             <a:custGeom>
@@ -5075,13 +4667,13 @@
         </p:sp>
         <p:sp>
           <p:nvSpPr>
-            <p:cNvPr id="52" name="pl52"/>
+            <p:cNvPr id="42" name="pl42"/>
             <p:cNvSpPr/>
             <p:nvPr/>
           </p:nvSpPr>
           <p:spPr>
             <a:xfrm>
-              <a:off x="1988754" y="4934873"/>
+              <a:off x="1988754" y="4739303"/>
               <a:ext cx="34794" cy="0"/>
             </a:xfrm>
             <a:custGeom>
@@ -5115,13 +4707,13 @@
         </p:sp>
         <p:sp>
           <p:nvSpPr>
-            <p:cNvPr id="53" name="pl53"/>
+            <p:cNvPr id="43" name="pl43"/>
             <p:cNvSpPr/>
             <p:nvPr/>
           </p:nvSpPr>
           <p:spPr>
             <a:xfrm>
-              <a:off x="1988754" y="4494840"/>
+              <a:off x="1988754" y="4177037"/>
               <a:ext cx="34794" cy="0"/>
             </a:xfrm>
             <a:custGeom>
@@ -5155,47 +4747,7 @@
         </p:sp>
         <p:sp>
           <p:nvSpPr>
-            <p:cNvPr id="54" name="pl54"/>
-            <p:cNvSpPr/>
-            <p:nvPr/>
-          </p:nvSpPr>
-          <p:spPr>
-            <a:xfrm>
-              <a:off x="1988754" y="4054806"/>
-              <a:ext cx="34794" cy="0"/>
-            </a:xfrm>
-            <a:custGeom>
-              <a:avLst/>
-              <a:pathLst>
-                <a:path w="34794" h="0">
-                  <a:moveTo>
-                    <a:pt x="0" y="0"/>
-                  </a:moveTo>
-                  <a:lnTo>
-                    <a:pt x="34794" y="0"/>
-                  </a:lnTo>
-                </a:path>
-              </a:pathLst>
-            </a:custGeom>
-            <a:ln w="6775" cap="flat">
-              <a:solidFill>
-                <a:srgbClr val="B3B3B3">
-                  <a:alpha val="100000"/>
-                </a:srgbClr>
-              </a:solidFill>
-              <a:prstDash val="solid"/>
-              <a:round/>
-            </a:ln>
-          </p:spPr>
-          <p:txBody>
-            <a:bodyPr/>
-            <a:lstStyle/>
-            <a:p/>
-          </p:txBody>
-        </p:sp>
-        <p:sp>
-          <p:nvSpPr>
-            <p:cNvPr id="55" name="pl55"/>
+            <p:cNvPr id="44" name="pl44"/>
             <p:cNvSpPr/>
             <p:nvPr/>
           </p:nvSpPr>
@@ -5235,13 +4787,13 @@
         </p:sp>
         <p:sp>
           <p:nvSpPr>
-            <p:cNvPr id="56" name="pl56"/>
+            <p:cNvPr id="45" name="pl45"/>
             <p:cNvSpPr/>
             <p:nvPr/>
           </p:nvSpPr>
           <p:spPr>
             <a:xfrm>
-              <a:off x="1988754" y="3174738"/>
+              <a:off x="1988754" y="3052507"/>
               <a:ext cx="34794" cy="0"/>
             </a:xfrm>
             <a:custGeom>
@@ -5275,13 +4827,13 @@
         </p:sp>
         <p:sp>
           <p:nvSpPr>
-            <p:cNvPr id="57" name="pl57"/>
+            <p:cNvPr id="46" name="pl46"/>
             <p:cNvSpPr/>
             <p:nvPr/>
           </p:nvSpPr>
           <p:spPr>
             <a:xfrm>
-              <a:off x="1988754" y="2734705"/>
+              <a:off x="1988754" y="2490241"/>
               <a:ext cx="34794" cy="0"/>
             </a:xfrm>
             <a:custGeom>
@@ -5315,13 +4867,13 @@
         </p:sp>
         <p:sp>
           <p:nvSpPr>
-            <p:cNvPr id="58" name="pl58"/>
+            <p:cNvPr id="47" name="pl47"/>
             <p:cNvSpPr/>
             <p:nvPr/>
           </p:nvSpPr>
           <p:spPr>
             <a:xfrm>
-              <a:off x="1988754" y="2294671"/>
+              <a:off x="1988754" y="1927976"/>
               <a:ext cx="34794" cy="0"/>
             </a:xfrm>
             <a:custGeom>
@@ -5355,47 +4907,7 @@
         </p:sp>
         <p:sp>
           <p:nvSpPr>
-            <p:cNvPr id="59" name="pl59"/>
-            <p:cNvSpPr/>
-            <p:nvPr/>
-          </p:nvSpPr>
-          <p:spPr>
-            <a:xfrm>
-              <a:off x="1988754" y="1854637"/>
-              <a:ext cx="34794" cy="0"/>
-            </a:xfrm>
-            <a:custGeom>
-              <a:avLst/>
-              <a:pathLst>
-                <a:path w="34794" h="0">
-                  <a:moveTo>
-                    <a:pt x="0" y="0"/>
-                  </a:moveTo>
-                  <a:lnTo>
-                    <a:pt x="34794" y="0"/>
-                  </a:lnTo>
-                </a:path>
-              </a:pathLst>
-            </a:custGeom>
-            <a:ln w="6775" cap="flat">
-              <a:solidFill>
-                <a:srgbClr val="B3B3B3">
-                  <a:alpha val="100000"/>
-                </a:srgbClr>
-              </a:solidFill>
-              <a:prstDash val="solid"/>
-              <a:round/>
-            </a:ln>
-          </p:spPr>
-          <p:txBody>
-            <a:bodyPr/>
-            <a:lstStyle/>
-            <a:p/>
-          </p:txBody>
-        </p:sp>
-        <p:sp>
-          <p:nvSpPr>
-            <p:cNvPr id="60" name="pl60"/>
+            <p:cNvPr id="48" name="pl48"/>
             <p:cNvSpPr/>
             <p:nvPr/>
           </p:nvSpPr>
@@ -5435,13 +4947,13 @@
         </p:sp>
         <p:sp>
           <p:nvSpPr>
-            <p:cNvPr id="61" name="pl61"/>
+            <p:cNvPr id="49" name="pl49"/>
             <p:cNvSpPr/>
             <p:nvPr/>
           </p:nvSpPr>
           <p:spPr>
             <a:xfrm>
-              <a:off x="3762980" y="5638927"/>
+              <a:off x="4554536" y="5638927"/>
               <a:ext cx="0" cy="34794"/>
             </a:xfrm>
             <a:custGeom>
@@ -5475,13 +4987,13 @@
         </p:sp>
         <p:sp>
           <p:nvSpPr>
-            <p:cNvPr id="62" name="pl62"/>
+            <p:cNvPr id="50" name="pl50"/>
             <p:cNvSpPr/>
             <p:nvPr/>
           </p:nvSpPr>
           <p:spPr>
             <a:xfrm>
-              <a:off x="5502411" y="5638927"/>
+              <a:off x="7085523" y="5638927"/>
               <a:ext cx="0" cy="34794"/>
             </a:xfrm>
             <a:custGeom>
@@ -5515,47 +5027,7 @@
         </p:sp>
         <p:sp>
           <p:nvSpPr>
-            <p:cNvPr id="63" name="pl63"/>
-            <p:cNvSpPr/>
-            <p:nvPr/>
-          </p:nvSpPr>
-          <p:spPr>
-            <a:xfrm>
-              <a:off x="7241842" y="5638927"/>
-              <a:ext cx="0" cy="34794"/>
-            </a:xfrm>
-            <a:custGeom>
-              <a:avLst/>
-              <a:pathLst>
-                <a:path w="0" h="34794">
-                  <a:moveTo>
-                    <a:pt x="0" y="34794"/>
-                  </a:moveTo>
-                  <a:lnTo>
-                    <a:pt x="0" y="0"/>
-                  </a:lnTo>
-                </a:path>
-              </a:pathLst>
-            </a:custGeom>
-            <a:ln w="6775" cap="flat">
-              <a:solidFill>
-                <a:srgbClr val="B3B3B3">
-                  <a:alpha val="100000"/>
-                </a:srgbClr>
-              </a:solidFill>
-              <a:prstDash val="solid"/>
-              <a:round/>
-            </a:ln>
-          </p:spPr>
-          <p:txBody>
-            <a:bodyPr/>
-            <a:lstStyle/>
-            <a:p/>
-          </p:txBody>
-        </p:sp>
-        <p:sp>
-          <p:nvSpPr>
-            <p:cNvPr id="64" name="tx64"/>
+            <p:cNvPr id="51" name="tx51"/>
             <p:cNvSpPr/>
             <p:nvPr/>
           </p:nvSpPr>
@@ -5601,14 +5073,14 @@
         </p:sp>
         <p:sp>
           <p:nvSpPr>
-            <p:cNvPr id="65" name="tx65"/>
+            <p:cNvPr id="52" name="tx52"/>
             <p:cNvSpPr/>
             <p:nvPr/>
           </p:nvSpPr>
           <p:spPr>
             <a:xfrm>
-              <a:off x="3669747" y="5699811"/>
-              <a:ext cx="186466" cy="81746"/>
+              <a:off x="4430225" y="5699866"/>
+              <a:ext cx="248622" cy="81691"/>
             </a:xfrm>
             <a:prstGeom prst="rect">
               <a:avLst/>
@@ -5640,21 +5112,21 @@
                   <a:latin typeface="Arial"/>
                   <a:cs typeface="Arial"/>
                 </a:rPr>
-                <a:t>300</a:t>
+                <a:t>1000</a:t>
               </a:r>
             </a:p>
           </p:txBody>
         </p:sp>
         <p:sp>
           <p:nvSpPr>
-            <p:cNvPr id="66" name="tx66"/>
+            <p:cNvPr id="53" name="tx53"/>
             <p:cNvSpPr/>
             <p:nvPr/>
           </p:nvSpPr>
           <p:spPr>
             <a:xfrm>
-              <a:off x="5409178" y="5699866"/>
-              <a:ext cx="186466" cy="81691"/>
+              <a:off x="6961212" y="5699866"/>
+              <a:ext cx="248622" cy="81691"/>
             </a:xfrm>
             <a:prstGeom prst="rect">
               <a:avLst/>
@@ -5686,53 +5158,7 @@
                   <a:latin typeface="Arial"/>
                   <a:cs typeface="Arial"/>
                 </a:rPr>
-                <a:t>600</a:t>
-              </a:r>
-            </a:p>
-          </p:txBody>
-        </p:sp>
-        <p:sp>
-          <p:nvSpPr>
-            <p:cNvPr id="67" name="tx67"/>
-            <p:cNvSpPr/>
-            <p:nvPr/>
-          </p:nvSpPr>
-          <p:spPr>
-            <a:xfrm>
-              <a:off x="7148609" y="5699866"/>
-              <a:ext cx="186466" cy="81691"/>
-            </a:xfrm>
-            <a:prstGeom prst="rect">
-              <a:avLst/>
-            </a:prstGeom>
-            <a:noFill/>
-          </p:spPr>
-          <p:txBody>
-            <a:bodyPr lIns="0" rIns="0" tIns="0" bIns="0" anchorCtr="1" anchor="ctr" wrap="none"/>
-            <a:lstStyle/>
-            <a:p>
-              <a:pPr algn="l" marL="0" marR="0" indent="0">
-                <a:lnSpc>
-                  <a:spcPts val="880"/>
-                </a:lnSpc>
-                <a:spcBef>
-                  <a:spcPts val="0"/>
-                </a:spcBef>
-                <a:spcAft>
-                  <a:spcPts val="0"/>
-                </a:spcAft>
-              </a:pPr>
-              <a:r>
-                <a:rPr sz="880">
-                  <a:solidFill>
-                    <a:srgbClr val="4D4D4D">
-                      <a:alpha val="100000"/>
-                    </a:srgbClr>
-                  </a:solidFill>
-                  <a:latin typeface="Arial"/>
-                  <a:cs typeface="Arial"/>
-                </a:rPr>
-                <a:t>900</a:t>
+                <a:t>2000</a:t>
               </a:r>
             </a:p>
           </p:txBody>

--- a/_book/plot/unnamed-chunk-65-1.pptx
+++ b/_book/plot/unnamed-chunk-65-1.pptx
@@ -3192,8 +3192,8 @@
           </p:nvSpPr>
           <p:spPr>
             <a:xfrm>
-              <a:off x="2023549" y="1590617"/>
-              <a:ext cx="6913543" cy="4048310"/>
+              <a:off x="2179881" y="1809173"/>
+              <a:ext cx="1295770" cy="3464924"/>
             </a:xfrm>
             <a:prstGeom prst="rect">
               <a:avLst/>
@@ -3218,28 +3218,28 @@
           </p:nvSpPr>
           <p:spPr>
             <a:xfrm>
-              <a:off x="3289042" y="1590617"/>
-              <a:ext cx="0" cy="4048310"/>
+              <a:off x="2179881" y="4656084"/>
+              <a:ext cx="1295770" cy="0"/>
             </a:xfrm>
             <a:custGeom>
               <a:avLst/>
               <a:pathLst>
-                <a:path w="0" h="4048310">
+                <a:path w="1295770" h="0">
                   <a:moveTo>
-                    <a:pt x="0" y="4048310"/>
+                    <a:pt x="0" y="0"/>
                   </a:moveTo>
                   <a:lnTo>
-                    <a:pt x="0" y="0"/>
-                  </a:lnTo>
-                  <a:lnTo>
-                    <a:pt x="0" y="0"/>
+                    <a:pt x="1295770" y="0"/>
+                  </a:lnTo>
+                  <a:lnTo>
+                    <a:pt x="1295770" y="0"/>
                   </a:lnTo>
                 </a:path>
               </a:pathLst>
             </a:custGeom>
-            <a:ln w="3387" cap="flat">
+            <a:ln w="6775" cap="flat">
               <a:solidFill>
-                <a:srgbClr val="DEDEDE">
+                <a:srgbClr val="EBEBEB">
                   <a:alpha val="100000"/>
                 </a:srgbClr>
               </a:solidFill>
@@ -3261,28 +3261,28 @@
           </p:nvSpPr>
           <p:spPr>
             <a:xfrm>
-              <a:off x="5820029" y="1590617"/>
-              <a:ext cx="0" cy="4048310"/>
+              <a:off x="2179881" y="3735052"/>
+              <a:ext cx="1295770" cy="0"/>
             </a:xfrm>
             <a:custGeom>
               <a:avLst/>
               <a:pathLst>
-                <a:path w="0" h="4048310">
+                <a:path w="1295770" h="0">
                   <a:moveTo>
-                    <a:pt x="0" y="4048310"/>
+                    <a:pt x="0" y="0"/>
                   </a:moveTo>
                   <a:lnTo>
-                    <a:pt x="0" y="0"/>
-                  </a:lnTo>
-                  <a:lnTo>
-                    <a:pt x="0" y="0"/>
+                    <a:pt x="1295770" y="0"/>
+                  </a:lnTo>
+                  <a:lnTo>
+                    <a:pt x="1295770" y="0"/>
                   </a:lnTo>
                 </a:path>
               </a:pathLst>
             </a:custGeom>
-            <a:ln w="3387" cap="flat">
+            <a:ln w="6775" cap="flat">
               <a:solidFill>
-                <a:srgbClr val="DEDEDE">
+                <a:srgbClr val="EBEBEB">
                   <a:alpha val="100000"/>
                 </a:srgbClr>
               </a:solidFill>
@@ -3304,28 +3304,28 @@
           </p:nvSpPr>
           <p:spPr>
             <a:xfrm>
-              <a:off x="8351017" y="1590617"/>
-              <a:ext cx="0" cy="4048310"/>
+              <a:off x="2179881" y="2814019"/>
+              <a:ext cx="1295770" cy="0"/>
             </a:xfrm>
             <a:custGeom>
               <a:avLst/>
               <a:pathLst>
-                <a:path w="0" h="4048310">
+                <a:path w="1295770" h="0">
                   <a:moveTo>
-                    <a:pt x="0" y="4048310"/>
+                    <a:pt x="0" y="0"/>
                   </a:moveTo>
                   <a:lnTo>
-                    <a:pt x="0" y="0"/>
-                  </a:lnTo>
-                  <a:lnTo>
-                    <a:pt x="0" y="0"/>
+                    <a:pt x="1295770" y="0"/>
+                  </a:lnTo>
+                  <a:lnTo>
+                    <a:pt x="1295770" y="0"/>
                   </a:lnTo>
                 </a:path>
               </a:pathLst>
             </a:custGeom>
-            <a:ln w="3387" cap="flat">
+            <a:ln w="6775" cap="flat">
               <a:solidFill>
-                <a:srgbClr val="DEDEDE">
+                <a:srgbClr val="EBEBEB">
                   <a:alpha val="100000"/>
                 </a:srgbClr>
               </a:solidFill>
@@ -3347,28 +3347,28 @@
           </p:nvSpPr>
           <p:spPr>
             <a:xfrm>
-              <a:off x="2023549" y="5301568"/>
-              <a:ext cx="6913543" cy="0"/>
+              <a:off x="2179881" y="1892987"/>
+              <a:ext cx="1295770" cy="0"/>
             </a:xfrm>
             <a:custGeom>
               <a:avLst/>
               <a:pathLst>
-                <a:path w="6913543" h="0">
+                <a:path w="1295770" h="0">
                   <a:moveTo>
                     <a:pt x="0" y="0"/>
                   </a:moveTo>
                   <a:lnTo>
-                    <a:pt x="6913543" y="0"/>
-                  </a:lnTo>
-                  <a:lnTo>
-                    <a:pt x="6913543" y="0"/>
+                    <a:pt x="1295770" y="0"/>
+                  </a:lnTo>
+                  <a:lnTo>
+                    <a:pt x="1295770" y="0"/>
                   </a:lnTo>
                 </a:path>
               </a:pathLst>
             </a:custGeom>
             <a:ln w="6775" cap="flat">
               <a:solidFill>
-                <a:srgbClr val="DEDEDE">
+                <a:srgbClr val="EBEBEB">
                   <a:alpha val="100000"/>
                 </a:srgbClr>
               </a:solidFill>
@@ -3390,28 +3390,28 @@
           </p:nvSpPr>
           <p:spPr>
             <a:xfrm>
-              <a:off x="2023549" y="4739303"/>
-              <a:ext cx="6913543" cy="0"/>
+              <a:off x="2179881" y="5116600"/>
+              <a:ext cx="1295770" cy="0"/>
             </a:xfrm>
             <a:custGeom>
               <a:avLst/>
               <a:pathLst>
-                <a:path w="6913543" h="0">
+                <a:path w="1295770" h="0">
                   <a:moveTo>
                     <a:pt x="0" y="0"/>
                   </a:moveTo>
                   <a:lnTo>
-                    <a:pt x="6913543" y="0"/>
-                  </a:lnTo>
-                  <a:lnTo>
-                    <a:pt x="6913543" y="0"/>
+                    <a:pt x="1295770" y="0"/>
+                  </a:lnTo>
+                  <a:lnTo>
+                    <a:pt x="1295770" y="0"/>
                   </a:lnTo>
                 </a:path>
               </a:pathLst>
             </a:custGeom>
-            <a:ln w="6775" cap="flat">
+            <a:ln w="13550" cap="flat">
               <a:solidFill>
-                <a:srgbClr val="DEDEDE">
+                <a:srgbClr val="EBEBEB">
                   <a:alpha val="100000"/>
                 </a:srgbClr>
               </a:solidFill>
@@ -3433,28 +3433,28 @@
           </p:nvSpPr>
           <p:spPr>
             <a:xfrm>
-              <a:off x="2023549" y="4177037"/>
-              <a:ext cx="6913543" cy="0"/>
+              <a:off x="2179881" y="4195568"/>
+              <a:ext cx="1295770" cy="0"/>
             </a:xfrm>
             <a:custGeom>
               <a:avLst/>
               <a:pathLst>
-                <a:path w="6913543" h="0">
+                <a:path w="1295770" h="0">
                   <a:moveTo>
                     <a:pt x="0" y="0"/>
                   </a:moveTo>
                   <a:lnTo>
-                    <a:pt x="6913543" y="0"/>
-                  </a:lnTo>
-                  <a:lnTo>
-                    <a:pt x="6913543" y="0"/>
+                    <a:pt x="1295770" y="0"/>
+                  </a:lnTo>
+                  <a:lnTo>
+                    <a:pt x="1295770" y="0"/>
                   </a:lnTo>
                 </a:path>
               </a:pathLst>
             </a:custGeom>
-            <a:ln w="6775" cap="flat">
+            <a:ln w="13550" cap="flat">
               <a:solidFill>
-                <a:srgbClr val="DEDEDE">
+                <a:srgbClr val="EBEBEB">
                   <a:alpha val="100000"/>
                 </a:srgbClr>
               </a:solidFill>
@@ -3476,28 +3476,28 @@
           </p:nvSpPr>
           <p:spPr>
             <a:xfrm>
-              <a:off x="2023549" y="3614772"/>
-              <a:ext cx="6913543" cy="0"/>
+              <a:off x="2179881" y="3274535"/>
+              <a:ext cx="1295770" cy="0"/>
             </a:xfrm>
             <a:custGeom>
               <a:avLst/>
               <a:pathLst>
-                <a:path w="6913543" h="0">
+                <a:path w="1295770" h="0">
                   <a:moveTo>
                     <a:pt x="0" y="0"/>
                   </a:moveTo>
                   <a:lnTo>
-                    <a:pt x="6913543" y="0"/>
-                  </a:lnTo>
-                  <a:lnTo>
-                    <a:pt x="6913543" y="0"/>
+                    <a:pt x="1295770" y="0"/>
+                  </a:lnTo>
+                  <a:lnTo>
+                    <a:pt x="1295770" y="0"/>
                   </a:lnTo>
                 </a:path>
               </a:pathLst>
             </a:custGeom>
-            <a:ln w="6775" cap="flat">
+            <a:ln w="13550" cap="flat">
               <a:solidFill>
-                <a:srgbClr val="DEDEDE">
+                <a:srgbClr val="EBEBEB">
                   <a:alpha val="100000"/>
                 </a:srgbClr>
               </a:solidFill>
@@ -3519,28 +3519,28 @@
           </p:nvSpPr>
           <p:spPr>
             <a:xfrm>
-              <a:off x="2023549" y="3052507"/>
-              <a:ext cx="6913543" cy="0"/>
+              <a:off x="2179881" y="2353503"/>
+              <a:ext cx="1295770" cy="0"/>
             </a:xfrm>
             <a:custGeom>
               <a:avLst/>
               <a:pathLst>
-                <a:path w="6913543" h="0">
+                <a:path w="1295770" h="0">
                   <a:moveTo>
                     <a:pt x="0" y="0"/>
                   </a:moveTo>
                   <a:lnTo>
-                    <a:pt x="6913543" y="0"/>
-                  </a:lnTo>
-                  <a:lnTo>
-                    <a:pt x="6913543" y="0"/>
+                    <a:pt x="1295770" y="0"/>
+                  </a:lnTo>
+                  <a:lnTo>
+                    <a:pt x="1295770" y="0"/>
                   </a:lnTo>
                 </a:path>
               </a:pathLst>
             </a:custGeom>
-            <a:ln w="6775" cap="flat">
+            <a:ln w="13550" cap="flat">
               <a:solidFill>
-                <a:srgbClr val="DEDEDE">
+                <a:srgbClr val="EBEBEB">
                   <a:alpha val="100000"/>
                 </a:srgbClr>
               </a:solidFill>
@@ -3562,28 +3562,28 @@
           </p:nvSpPr>
           <p:spPr>
             <a:xfrm>
-              <a:off x="2023549" y="2490241"/>
-              <a:ext cx="6913543" cy="0"/>
+              <a:off x="2533273" y="1809173"/>
+              <a:ext cx="0" cy="3464924"/>
             </a:xfrm>
             <a:custGeom>
               <a:avLst/>
               <a:pathLst>
-                <a:path w="6913543" h="0">
+                <a:path w="0" h="3464924">
                   <a:moveTo>
+                    <a:pt x="0" y="3464924"/>
+                  </a:moveTo>
+                  <a:lnTo>
                     <a:pt x="0" y="0"/>
-                  </a:moveTo>
-                  <a:lnTo>
-                    <a:pt x="6913543" y="0"/>
-                  </a:lnTo>
-                  <a:lnTo>
-                    <a:pt x="6913543" y="0"/>
+                  </a:lnTo>
+                  <a:lnTo>
+                    <a:pt x="0" y="0"/>
                   </a:lnTo>
                 </a:path>
               </a:pathLst>
             </a:custGeom>
-            <a:ln w="6775" cap="flat">
+            <a:ln w="13550" cap="flat">
               <a:solidFill>
-                <a:srgbClr val="DEDEDE">
+                <a:srgbClr val="EBEBEB">
                   <a:alpha val="100000"/>
                 </a:srgbClr>
               </a:solidFill>
@@ -3605,28 +3605,28 @@
           </p:nvSpPr>
           <p:spPr>
             <a:xfrm>
-              <a:off x="2023549" y="1927976"/>
-              <a:ext cx="6913543" cy="0"/>
+              <a:off x="3122260" y="1809173"/>
+              <a:ext cx="0" cy="3464924"/>
             </a:xfrm>
             <a:custGeom>
               <a:avLst/>
               <a:pathLst>
-                <a:path w="6913543" h="0">
+                <a:path w="0" h="3464924">
                   <a:moveTo>
+                    <a:pt x="0" y="3464924"/>
+                  </a:moveTo>
+                  <a:lnTo>
                     <a:pt x="0" y="0"/>
-                  </a:moveTo>
-                  <a:lnTo>
-                    <a:pt x="6913543" y="0"/>
-                  </a:lnTo>
-                  <a:lnTo>
-                    <a:pt x="6913543" y="0"/>
+                  </a:lnTo>
+                  <a:lnTo>
+                    <a:pt x="0" y="0"/>
                   </a:lnTo>
                 </a:path>
               </a:pathLst>
             </a:custGeom>
-            <a:ln w="6775" cap="flat">
+            <a:ln w="13550" cap="flat">
               <a:solidFill>
-                <a:srgbClr val="DEDEDE">
+                <a:srgbClr val="EBEBEB">
                   <a:alpha val="100000"/>
                 </a:srgbClr>
               </a:solidFill>
@@ -3642,34 +3642,73 @@
         </p:sp>
         <p:sp>
           <p:nvSpPr>
-            <p:cNvPr id="16" name="pl16"/>
-            <p:cNvSpPr/>
-            <p:nvPr/>
-          </p:nvSpPr>
-          <p:spPr>
-            <a:xfrm>
-              <a:off x="2023549" y="1590617"/>
-              <a:ext cx="0" cy="4048310"/>
-            </a:xfrm>
-            <a:custGeom>
-              <a:avLst/>
-              <a:pathLst>
-                <a:path w="0" h="4048310">
-                  <a:moveTo>
-                    <a:pt x="0" y="4048310"/>
-                  </a:moveTo>
-                  <a:lnTo>
-                    <a:pt x="0" y="0"/>
-                  </a:lnTo>
-                  <a:lnTo>
-                    <a:pt x="0" y="0"/>
-                  </a:lnTo>
-                </a:path>
-              </a:pathLst>
-            </a:custGeom>
-            <a:ln w="6775" cap="flat">
+            <p:cNvPr id="16" name="rc16"/>
+            <p:cNvSpPr/>
+            <p:nvPr/>
+          </p:nvSpPr>
+          <p:spPr>
+            <a:xfrm>
+              <a:off x="2268229" y="1966669"/>
+              <a:ext cx="530088" cy="3149931"/>
+            </a:xfrm>
+            <a:prstGeom prst="rect">
+              <a:avLst/>
+            </a:prstGeom>
+            <a:solidFill>
+              <a:srgbClr val="FEE0D2">
+                <a:alpha val="100000"/>
+              </a:srgbClr>
+            </a:solidFill>
+          </p:spPr>
+          <p:txBody>
+            <a:bodyPr/>
+            <a:lstStyle/>
+            <a:p/>
+          </p:txBody>
+        </p:sp>
+        <p:sp>
+          <p:nvSpPr>
+            <p:cNvPr id="17" name="rc17"/>
+            <p:cNvSpPr/>
+            <p:nvPr/>
+          </p:nvSpPr>
+          <p:spPr>
+            <a:xfrm>
+              <a:off x="2857216" y="4213989"/>
+              <a:ext cx="530088" cy="902611"/>
+            </a:xfrm>
+            <a:prstGeom prst="rect">
+              <a:avLst/>
+            </a:prstGeom>
+            <a:solidFill>
+              <a:srgbClr val="FC9272">
+                <a:alpha val="100000"/>
+              </a:srgbClr>
+            </a:solidFill>
+          </p:spPr>
+          <p:txBody>
+            <a:bodyPr/>
+            <a:lstStyle/>
+            <a:p/>
+          </p:txBody>
+        </p:sp>
+        <p:sp>
+          <p:nvSpPr>
+            <p:cNvPr id="18" name="rc18"/>
+            <p:cNvSpPr/>
+            <p:nvPr/>
+          </p:nvSpPr>
+          <p:spPr>
+            <a:xfrm>
+              <a:off x="2179881" y="1809173"/>
+              <a:ext cx="1295770" cy="3464924"/>
+            </a:xfrm>
+            <a:prstGeom prst="rect">
+              <a:avLst/>
+            </a:prstGeom>
+            <a:ln w="13550" cap="rnd">
               <a:solidFill>
-                <a:srgbClr val="DEDEDE">
+                <a:srgbClr val="333333">
                   <a:alpha val="100000"/>
                 </a:srgbClr>
               </a:solidFill>
@@ -3685,34 +3724,60 @@
         </p:sp>
         <p:sp>
           <p:nvSpPr>
-            <p:cNvPr id="17" name="pl17"/>
-            <p:cNvSpPr/>
-            <p:nvPr/>
-          </p:nvSpPr>
-          <p:spPr>
-            <a:xfrm>
-              <a:off x="4554536" y="1590617"/>
-              <a:ext cx="0" cy="4048310"/>
+            <p:cNvPr id="19" name="rc19"/>
+            <p:cNvSpPr/>
+            <p:nvPr/>
+          </p:nvSpPr>
+          <p:spPr>
+            <a:xfrm>
+              <a:off x="3545241" y="1809173"/>
+              <a:ext cx="1295770" cy="3464924"/>
+            </a:xfrm>
+            <a:prstGeom prst="rect">
+              <a:avLst/>
+            </a:prstGeom>
+            <a:solidFill>
+              <a:srgbClr val="FFFFFF">
+                <a:alpha val="100000"/>
+              </a:srgbClr>
+            </a:solidFill>
+          </p:spPr>
+          <p:txBody>
+            <a:bodyPr/>
+            <a:lstStyle/>
+            <a:p/>
+          </p:txBody>
+        </p:sp>
+        <p:sp>
+          <p:nvSpPr>
+            <p:cNvPr id="20" name="pl20"/>
+            <p:cNvSpPr/>
+            <p:nvPr/>
+          </p:nvSpPr>
+          <p:spPr>
+            <a:xfrm>
+              <a:off x="3545241" y="4656084"/>
+              <a:ext cx="1295770" cy="0"/>
             </a:xfrm>
             <a:custGeom>
               <a:avLst/>
               <a:pathLst>
-                <a:path w="0" h="4048310">
+                <a:path w="1295770" h="0">
                   <a:moveTo>
-                    <a:pt x="0" y="4048310"/>
+                    <a:pt x="0" y="0"/>
                   </a:moveTo>
                   <a:lnTo>
-                    <a:pt x="0" y="0"/>
-                  </a:lnTo>
-                  <a:lnTo>
-                    <a:pt x="0" y="0"/>
+                    <a:pt x="1295770" y="0"/>
+                  </a:lnTo>
+                  <a:lnTo>
+                    <a:pt x="1295770" y="0"/>
                   </a:lnTo>
                 </a:path>
               </a:pathLst>
             </a:custGeom>
             <a:ln w="6775" cap="flat">
               <a:solidFill>
-                <a:srgbClr val="DEDEDE">
+                <a:srgbClr val="EBEBEB">
                   <a:alpha val="100000"/>
                 </a:srgbClr>
               </a:solidFill>
@@ -3728,34 +3793,34 @@
         </p:sp>
         <p:sp>
           <p:nvSpPr>
-            <p:cNvPr id="18" name="pl18"/>
-            <p:cNvSpPr/>
-            <p:nvPr/>
-          </p:nvSpPr>
-          <p:spPr>
-            <a:xfrm>
-              <a:off x="7085523" y="1590617"/>
-              <a:ext cx="0" cy="4048310"/>
+            <p:cNvPr id="21" name="pl21"/>
+            <p:cNvSpPr/>
+            <p:nvPr/>
+          </p:nvSpPr>
+          <p:spPr>
+            <a:xfrm>
+              <a:off x="3545241" y="3735052"/>
+              <a:ext cx="1295770" cy="0"/>
             </a:xfrm>
             <a:custGeom>
               <a:avLst/>
               <a:pathLst>
-                <a:path w="0" h="4048310">
+                <a:path w="1295770" h="0">
                   <a:moveTo>
-                    <a:pt x="0" y="4048310"/>
+                    <a:pt x="0" y="0"/>
                   </a:moveTo>
                   <a:lnTo>
-                    <a:pt x="0" y="0"/>
-                  </a:lnTo>
-                  <a:lnTo>
-                    <a:pt x="0" y="0"/>
+                    <a:pt x="1295770" y="0"/>
+                  </a:lnTo>
+                  <a:lnTo>
+                    <a:pt x="1295770" y="0"/>
                   </a:lnTo>
                 </a:path>
               </a:pathLst>
             </a:custGeom>
             <a:ln w="6775" cap="flat">
               <a:solidFill>
-                <a:srgbClr val="DEDEDE">
+                <a:srgbClr val="EBEBEB">
                   <a:alpha val="100000"/>
                 </a:srgbClr>
               </a:solidFill>
@@ -3771,525 +3836,34 @@
         </p:sp>
         <p:sp>
           <p:nvSpPr>
-            <p:cNvPr id="19" name="rc19"/>
-            <p:cNvSpPr/>
-            <p:nvPr/>
-          </p:nvSpPr>
-          <p:spPr>
-            <a:xfrm>
-              <a:off x="2023549" y="1674957"/>
-              <a:ext cx="6777983" cy="506038"/>
-            </a:xfrm>
-            <a:prstGeom prst="rect">
-              <a:avLst/>
-            </a:prstGeom>
-            <a:solidFill>
-              <a:srgbClr val="595959">
-                <a:alpha val="100000"/>
-              </a:srgbClr>
-            </a:solidFill>
-          </p:spPr>
-          <p:txBody>
-            <a:bodyPr/>
-            <a:lstStyle/>
-            <a:p/>
-          </p:txBody>
-        </p:sp>
-        <p:sp>
-          <p:nvSpPr>
-            <p:cNvPr id="20" name="rc20"/>
-            <p:cNvSpPr/>
-            <p:nvPr/>
-          </p:nvSpPr>
-          <p:spPr>
-            <a:xfrm>
-              <a:off x="2023549" y="2237222"/>
-              <a:ext cx="5049319" cy="506038"/>
-            </a:xfrm>
-            <a:prstGeom prst="rect">
-              <a:avLst/>
-            </a:prstGeom>
-            <a:solidFill>
-              <a:srgbClr val="595959">
-                <a:alpha val="100000"/>
-              </a:srgbClr>
-            </a:solidFill>
-          </p:spPr>
-          <p:txBody>
-            <a:bodyPr/>
-            <a:lstStyle/>
-            <a:p/>
-          </p:txBody>
-        </p:sp>
-        <p:sp>
-          <p:nvSpPr>
-            <p:cNvPr id="21" name="rc21"/>
-            <p:cNvSpPr/>
-            <p:nvPr/>
-          </p:nvSpPr>
-          <p:spPr>
-            <a:xfrm>
-              <a:off x="2023549" y="2799487"/>
-              <a:ext cx="4839247" cy="506038"/>
-            </a:xfrm>
-            <a:prstGeom prst="rect">
-              <a:avLst/>
-            </a:prstGeom>
-            <a:solidFill>
-              <a:srgbClr val="595959">
-                <a:alpha val="100000"/>
-              </a:srgbClr>
-            </a:solidFill>
-          </p:spPr>
-          <p:txBody>
-            <a:bodyPr/>
-            <a:lstStyle/>
-            <a:p/>
-          </p:txBody>
-        </p:sp>
-        <p:sp>
-          <p:nvSpPr>
-            <p:cNvPr id="22" name="rc22"/>
-            <p:cNvSpPr/>
-            <p:nvPr/>
-          </p:nvSpPr>
-          <p:spPr>
-            <a:xfrm>
-              <a:off x="2023549" y="3361753"/>
-              <a:ext cx="4211562" cy="506038"/>
-            </a:xfrm>
-            <a:prstGeom prst="rect">
-              <a:avLst/>
-            </a:prstGeom>
-            <a:solidFill>
-              <a:srgbClr val="595959">
-                <a:alpha val="100000"/>
-              </a:srgbClr>
-            </a:solidFill>
-          </p:spPr>
-          <p:txBody>
-            <a:bodyPr/>
-            <a:lstStyle/>
-            <a:p/>
-          </p:txBody>
-        </p:sp>
-        <p:sp>
-          <p:nvSpPr>
-            <p:cNvPr id="23" name="rc23"/>
-            <p:cNvSpPr/>
-            <p:nvPr/>
-          </p:nvSpPr>
-          <p:spPr>
-            <a:xfrm>
-              <a:off x="2023549" y="3924018"/>
-              <a:ext cx="3143486" cy="506038"/>
-            </a:xfrm>
-            <a:prstGeom prst="rect">
-              <a:avLst/>
-            </a:prstGeom>
-            <a:solidFill>
-              <a:srgbClr val="595959">
-                <a:alpha val="100000"/>
-              </a:srgbClr>
-            </a:solidFill>
-          </p:spPr>
-          <p:txBody>
-            <a:bodyPr/>
-            <a:lstStyle/>
-            <a:p/>
-          </p:txBody>
-        </p:sp>
-        <p:sp>
-          <p:nvSpPr>
-            <p:cNvPr id="24" name="rc24"/>
-            <p:cNvSpPr/>
-            <p:nvPr/>
-          </p:nvSpPr>
-          <p:spPr>
-            <a:xfrm>
-              <a:off x="2023549" y="4486283"/>
-              <a:ext cx="1551495" cy="506038"/>
-            </a:xfrm>
-            <a:prstGeom prst="rect">
-              <a:avLst/>
-            </a:prstGeom>
-            <a:solidFill>
-              <a:srgbClr val="595959">
-                <a:alpha val="100000"/>
-              </a:srgbClr>
-            </a:solidFill>
-          </p:spPr>
-          <p:txBody>
-            <a:bodyPr/>
-            <a:lstStyle/>
-            <a:p/>
-          </p:txBody>
-        </p:sp>
-        <p:sp>
-          <p:nvSpPr>
-            <p:cNvPr id="25" name="rc25"/>
-            <p:cNvSpPr/>
-            <p:nvPr/>
-          </p:nvSpPr>
-          <p:spPr>
-            <a:xfrm>
-              <a:off x="2023549" y="5048549"/>
-              <a:ext cx="602374" cy="506038"/>
-            </a:xfrm>
-            <a:prstGeom prst="rect">
-              <a:avLst/>
-            </a:prstGeom>
-            <a:solidFill>
-              <a:srgbClr val="595959">
-                <a:alpha val="100000"/>
-              </a:srgbClr>
-            </a:solidFill>
-          </p:spPr>
-          <p:txBody>
-            <a:bodyPr/>
-            <a:lstStyle/>
-            <a:p/>
-          </p:txBody>
-        </p:sp>
-        <p:sp>
-          <p:nvSpPr>
-            <p:cNvPr id="26" name="tx26"/>
-            <p:cNvSpPr/>
-            <p:nvPr/>
-          </p:nvSpPr>
-          <p:spPr>
-            <a:xfrm>
-              <a:off x="7346282" y="1883502"/>
-              <a:ext cx="1300860" cy="67753"/>
-            </a:xfrm>
-            <a:prstGeom prst="rect">
-              <a:avLst/>
-            </a:prstGeom>
-            <a:noFill/>
-          </p:spPr>
-          <p:txBody>
-            <a:bodyPr lIns="0" rIns="0" tIns="0" bIns="0" anchorCtr="1" anchor="ctr" wrap="none"/>
-            <a:lstStyle/>
-            <a:p>
-              <a:pPr algn="l" marL="0" marR="0" indent="0">
-                <a:lnSpc>
-                  <a:spcPts val="853"/>
-                </a:lnSpc>
-                <a:spcBef>
-                  <a:spcPts val="0"/>
-                </a:spcBef>
-                <a:spcAft>
-                  <a:spcPts val="0"/>
-                </a:spcAft>
-              </a:pPr>
-              <a:r>
-                <a:rPr sz="853" b="1">
-                  <a:solidFill>
-                    <a:srgbClr val="FFFFFF">
-                      <a:alpha val="100000"/>
-                    </a:srgbClr>
-                  </a:solidFill>
-                  <a:latin typeface="Arial"/>
-                  <a:cs typeface="Arial"/>
-                </a:rPr>
-                <a:t>综合性跨境电商平台（如天猫国际）</a:t>
-              </a:r>
-            </a:p>
-          </p:txBody>
-        </p:sp>
-        <p:sp>
-          <p:nvSpPr>
-            <p:cNvPr id="27" name="tx27"/>
-            <p:cNvSpPr/>
-            <p:nvPr/>
-          </p:nvSpPr>
-          <p:spPr>
-            <a:xfrm>
-              <a:off x="5536314" y="2445768"/>
-              <a:ext cx="1382163" cy="67753"/>
-            </a:xfrm>
-            <a:prstGeom prst="rect">
-              <a:avLst/>
-            </a:prstGeom>
-            <a:noFill/>
-          </p:spPr>
-          <p:txBody>
-            <a:bodyPr lIns="0" rIns="0" tIns="0" bIns="0" anchorCtr="1" anchor="ctr" wrap="none"/>
-            <a:lstStyle/>
-            <a:p>
-              <a:pPr algn="l" marL="0" marR="0" indent="0">
-                <a:lnSpc>
-                  <a:spcPts val="853"/>
-                </a:lnSpc>
-                <a:spcBef>
-                  <a:spcPts val="0"/>
-                </a:spcBef>
-                <a:spcAft>
-                  <a:spcPts val="0"/>
-                </a:spcAft>
-              </a:pPr>
-              <a:r>
-                <a:rPr sz="853" b="1">
-                  <a:solidFill>
-                    <a:srgbClr val="FFFFFF">
-                      <a:alpha val="100000"/>
-                    </a:srgbClr>
-                  </a:solidFill>
-                  <a:latin typeface="Arial"/>
-                  <a:cs typeface="Arial"/>
-                </a:rPr>
-                <a:t>跨境购物社区（如小红书、洋码头等）</a:t>
-              </a:r>
-            </a:p>
-          </p:txBody>
-        </p:sp>
-        <p:sp>
-          <p:nvSpPr>
-            <p:cNvPr id="28" name="tx28"/>
-            <p:cNvSpPr/>
-            <p:nvPr/>
-          </p:nvSpPr>
-          <p:spPr>
-            <a:xfrm>
-              <a:off x="5326242" y="3008033"/>
-              <a:ext cx="1382163" cy="67753"/>
-            </a:xfrm>
-            <a:prstGeom prst="rect">
-              <a:avLst/>
-            </a:prstGeom>
-            <a:noFill/>
-          </p:spPr>
-          <p:txBody>
-            <a:bodyPr lIns="0" rIns="0" tIns="0" bIns="0" anchorCtr="1" anchor="ctr" wrap="none"/>
-            <a:lstStyle/>
-            <a:p>
-              <a:pPr algn="l" marL="0" marR="0" indent="0">
-                <a:lnSpc>
-                  <a:spcPts val="853"/>
-                </a:lnSpc>
-                <a:spcBef>
-                  <a:spcPts val="0"/>
-                </a:spcBef>
-                <a:spcAft>
-                  <a:spcPts val="0"/>
-                </a:spcAft>
-              </a:pPr>
-              <a:r>
-                <a:rPr sz="853" b="1">
-                  <a:solidFill>
-                    <a:srgbClr val="FFFFFF">
-                      <a:alpha val="100000"/>
-                    </a:srgbClr>
-                  </a:solidFill>
-                  <a:latin typeface="Arial"/>
-                  <a:cs typeface="Arial"/>
-                </a:rPr>
-                <a:t>私人代购（如微博代购达人、微商等）</a:t>
-              </a:r>
-            </a:p>
-          </p:txBody>
-        </p:sp>
-        <p:sp>
-          <p:nvSpPr>
-            <p:cNvPr id="29" name="tx29"/>
-            <p:cNvSpPr/>
-            <p:nvPr/>
-          </p:nvSpPr>
-          <p:spPr>
-            <a:xfrm>
-              <a:off x="5105076" y="3570299"/>
-              <a:ext cx="975645" cy="67753"/>
-            </a:xfrm>
-            <a:prstGeom prst="rect">
-              <a:avLst/>
-            </a:prstGeom>
-            <a:noFill/>
-          </p:spPr>
-          <p:txBody>
-            <a:bodyPr lIns="0" rIns="0" tIns="0" bIns="0" anchorCtr="1" anchor="ctr" wrap="none"/>
-            <a:lstStyle/>
-            <a:p>
-              <a:pPr algn="l" marL="0" marR="0" indent="0">
-                <a:lnSpc>
-                  <a:spcPts val="853"/>
-                </a:lnSpc>
-                <a:spcBef>
-                  <a:spcPts val="0"/>
-                </a:spcBef>
-                <a:spcAft>
-                  <a:spcPts val="0"/>
-                </a:spcAft>
-              </a:pPr>
-              <a:r>
-                <a:rPr sz="853" b="1">
-                  <a:solidFill>
-                    <a:srgbClr val="FFFFFF">
-                      <a:alpha val="100000"/>
-                    </a:srgbClr>
-                  </a:solidFill>
-                  <a:latin typeface="Arial"/>
-                  <a:cs typeface="Arial"/>
-                </a:rPr>
-                <a:t>海外电商平台（如亚马逊）</a:t>
-              </a:r>
-            </a:p>
-          </p:txBody>
-        </p:sp>
-        <p:sp>
-          <p:nvSpPr>
-            <p:cNvPr id="30" name="tx30"/>
-            <p:cNvSpPr/>
-            <p:nvPr/>
-          </p:nvSpPr>
-          <p:spPr>
-            <a:xfrm>
-              <a:off x="5321425" y="4148084"/>
-              <a:ext cx="487822" cy="67753"/>
-            </a:xfrm>
-            <a:prstGeom prst="rect">
-              <a:avLst/>
-            </a:prstGeom>
-            <a:noFill/>
-          </p:spPr>
-          <p:txBody>
-            <a:bodyPr lIns="0" rIns="0" tIns="0" bIns="0" anchorCtr="1" anchor="ctr" wrap="none"/>
-            <a:lstStyle/>
-            <a:p>
-              <a:pPr algn="l" marL="0" marR="0" indent="0">
-                <a:lnSpc>
-                  <a:spcPts val="853"/>
-                </a:lnSpc>
-                <a:spcBef>
-                  <a:spcPts val="0"/>
-                </a:spcBef>
-                <a:spcAft>
-                  <a:spcPts val="0"/>
-                </a:spcAft>
-              </a:pPr>
-              <a:r>
-                <a:rPr sz="853">
-                  <a:solidFill>
-                    <a:srgbClr val="000000">
-                      <a:alpha val="100000"/>
-                    </a:srgbClr>
-                  </a:solidFill>
-                  <a:latin typeface="Arial"/>
-                  <a:cs typeface="Arial"/>
-                </a:rPr>
-                <a:t>海外品牌官网</a:t>
-              </a:r>
-            </a:p>
-          </p:txBody>
-        </p:sp>
-        <p:sp>
-          <p:nvSpPr>
-            <p:cNvPr id="31" name="tx31"/>
-            <p:cNvSpPr/>
-            <p:nvPr/>
-          </p:nvSpPr>
-          <p:spPr>
-            <a:xfrm>
-              <a:off x="3729434" y="4710349"/>
-              <a:ext cx="487822" cy="67753"/>
-            </a:xfrm>
-            <a:prstGeom prst="rect">
-              <a:avLst/>
-            </a:prstGeom>
-            <a:noFill/>
-          </p:spPr>
-          <p:txBody>
-            <a:bodyPr lIns="0" rIns="0" tIns="0" bIns="0" anchorCtr="1" anchor="ctr" wrap="none"/>
-            <a:lstStyle/>
-            <a:p>
-              <a:pPr algn="l" marL="0" marR="0" indent="0">
-                <a:lnSpc>
-                  <a:spcPts val="853"/>
-                </a:lnSpc>
-                <a:spcBef>
-                  <a:spcPts val="0"/>
-                </a:spcBef>
-                <a:spcAft>
-                  <a:spcPts val="0"/>
-                </a:spcAft>
-              </a:pPr>
-              <a:r>
-                <a:rPr sz="853">
-                  <a:solidFill>
-                    <a:srgbClr val="000000">
-                      <a:alpha val="100000"/>
-                    </a:srgbClr>
-                  </a:solidFill>
-                  <a:latin typeface="Arial"/>
-                  <a:cs typeface="Arial"/>
-                </a:rPr>
-                <a:t>委托亲友代购</a:t>
-              </a:r>
-            </a:p>
-          </p:txBody>
-        </p:sp>
-        <p:sp>
-          <p:nvSpPr>
-            <p:cNvPr id="32" name="tx32"/>
-            <p:cNvSpPr/>
-            <p:nvPr/>
-          </p:nvSpPr>
-          <p:spPr>
-            <a:xfrm>
-              <a:off x="2780314" y="5272614"/>
-              <a:ext cx="975645" cy="67753"/>
-            </a:xfrm>
-            <a:prstGeom prst="rect">
-              <a:avLst/>
-            </a:prstGeom>
-            <a:noFill/>
-          </p:spPr>
-          <p:txBody>
-            <a:bodyPr lIns="0" rIns="0" tIns="0" bIns="0" anchorCtr="1" anchor="ctr" wrap="none"/>
-            <a:lstStyle/>
-            <a:p>
-              <a:pPr algn="l" marL="0" marR="0" indent="0">
-                <a:lnSpc>
-                  <a:spcPts val="853"/>
-                </a:lnSpc>
-                <a:spcBef>
-                  <a:spcPts val="0"/>
-                </a:spcBef>
-                <a:spcAft>
-                  <a:spcPts val="0"/>
-                </a:spcAft>
-              </a:pPr>
-              <a:r>
-                <a:rPr sz="853">
-                  <a:solidFill>
-                    <a:srgbClr val="000000">
-                      <a:alpha val="100000"/>
-                    </a:srgbClr>
-                  </a:solidFill>
-                  <a:latin typeface="Arial"/>
-                  <a:cs typeface="Arial"/>
-                </a:rPr>
-                <a:t>不会选择海外品牌的益生菌</a:t>
-              </a:r>
-            </a:p>
-          </p:txBody>
-        </p:sp>
-        <p:sp>
-          <p:nvSpPr>
-            <p:cNvPr id="33" name="rc33"/>
-            <p:cNvSpPr/>
-            <p:nvPr/>
-          </p:nvSpPr>
-          <p:spPr>
-            <a:xfrm>
-              <a:off x="2023549" y="1590617"/>
-              <a:ext cx="6913543" cy="4048310"/>
-            </a:xfrm>
-            <a:prstGeom prst="rect">
-              <a:avLst/>
-            </a:prstGeom>
-            <a:ln w="13550" cap="rnd">
+            <p:cNvPr id="22" name="pl22"/>
+            <p:cNvSpPr/>
+            <p:nvPr/>
+          </p:nvSpPr>
+          <p:spPr>
+            <a:xfrm>
+              <a:off x="3545241" y="2814019"/>
+              <a:ext cx="1295770" cy="0"/>
+            </a:xfrm>
+            <a:custGeom>
+              <a:avLst/>
+              <a:pathLst>
+                <a:path w="1295770" h="0">
+                  <a:moveTo>
+                    <a:pt x="0" y="0"/>
+                  </a:moveTo>
+                  <a:lnTo>
+                    <a:pt x="1295770" y="0"/>
+                  </a:lnTo>
+                  <a:lnTo>
+                    <a:pt x="1295770" y="0"/>
+                  </a:lnTo>
+                </a:path>
+              </a:pathLst>
+            </a:custGeom>
+            <a:ln w="6775" cap="flat">
               <a:solidFill>
-                <a:srgbClr val="B3B3B3">
+                <a:srgbClr val="EBEBEB">
                   <a:alpha val="100000"/>
                 </a:srgbClr>
               </a:solidFill>
@@ -4305,14 +3879,2046 @@
         </p:sp>
         <p:sp>
           <p:nvSpPr>
-            <p:cNvPr id="34" name="tx34"/>
-            <p:cNvSpPr/>
-            <p:nvPr/>
-          </p:nvSpPr>
-          <p:spPr>
-            <a:xfrm>
-              <a:off x="1926599" y="5262660"/>
-              <a:ext cx="62155" cy="78908"/>
+            <p:cNvPr id="23" name="pl23"/>
+            <p:cNvSpPr/>
+            <p:nvPr/>
+          </p:nvSpPr>
+          <p:spPr>
+            <a:xfrm>
+              <a:off x="3545241" y="1892987"/>
+              <a:ext cx="1295770" cy="0"/>
+            </a:xfrm>
+            <a:custGeom>
+              <a:avLst/>
+              <a:pathLst>
+                <a:path w="1295770" h="0">
+                  <a:moveTo>
+                    <a:pt x="0" y="0"/>
+                  </a:moveTo>
+                  <a:lnTo>
+                    <a:pt x="1295770" y="0"/>
+                  </a:lnTo>
+                  <a:lnTo>
+                    <a:pt x="1295770" y="0"/>
+                  </a:lnTo>
+                </a:path>
+              </a:pathLst>
+            </a:custGeom>
+            <a:ln w="6775" cap="flat">
+              <a:solidFill>
+                <a:srgbClr val="EBEBEB">
+                  <a:alpha val="100000"/>
+                </a:srgbClr>
+              </a:solidFill>
+              <a:prstDash val="solid"/>
+              <a:round/>
+            </a:ln>
+          </p:spPr>
+          <p:txBody>
+            <a:bodyPr/>
+            <a:lstStyle/>
+            <a:p/>
+          </p:txBody>
+        </p:sp>
+        <p:sp>
+          <p:nvSpPr>
+            <p:cNvPr id="24" name="pl24"/>
+            <p:cNvSpPr/>
+            <p:nvPr/>
+          </p:nvSpPr>
+          <p:spPr>
+            <a:xfrm>
+              <a:off x="3545241" y="5116600"/>
+              <a:ext cx="1295770" cy="0"/>
+            </a:xfrm>
+            <a:custGeom>
+              <a:avLst/>
+              <a:pathLst>
+                <a:path w="1295770" h="0">
+                  <a:moveTo>
+                    <a:pt x="0" y="0"/>
+                  </a:moveTo>
+                  <a:lnTo>
+                    <a:pt x="1295770" y="0"/>
+                  </a:lnTo>
+                  <a:lnTo>
+                    <a:pt x="1295770" y="0"/>
+                  </a:lnTo>
+                </a:path>
+              </a:pathLst>
+            </a:custGeom>
+            <a:ln w="13550" cap="flat">
+              <a:solidFill>
+                <a:srgbClr val="EBEBEB">
+                  <a:alpha val="100000"/>
+                </a:srgbClr>
+              </a:solidFill>
+              <a:prstDash val="solid"/>
+              <a:round/>
+            </a:ln>
+          </p:spPr>
+          <p:txBody>
+            <a:bodyPr/>
+            <a:lstStyle/>
+            <a:p/>
+          </p:txBody>
+        </p:sp>
+        <p:sp>
+          <p:nvSpPr>
+            <p:cNvPr id="25" name="pl25"/>
+            <p:cNvSpPr/>
+            <p:nvPr/>
+          </p:nvSpPr>
+          <p:spPr>
+            <a:xfrm>
+              <a:off x="3545241" y="4195568"/>
+              <a:ext cx="1295770" cy="0"/>
+            </a:xfrm>
+            <a:custGeom>
+              <a:avLst/>
+              <a:pathLst>
+                <a:path w="1295770" h="0">
+                  <a:moveTo>
+                    <a:pt x="0" y="0"/>
+                  </a:moveTo>
+                  <a:lnTo>
+                    <a:pt x="1295770" y="0"/>
+                  </a:lnTo>
+                  <a:lnTo>
+                    <a:pt x="1295770" y="0"/>
+                  </a:lnTo>
+                </a:path>
+              </a:pathLst>
+            </a:custGeom>
+            <a:ln w="13550" cap="flat">
+              <a:solidFill>
+                <a:srgbClr val="EBEBEB">
+                  <a:alpha val="100000"/>
+                </a:srgbClr>
+              </a:solidFill>
+              <a:prstDash val="solid"/>
+              <a:round/>
+            </a:ln>
+          </p:spPr>
+          <p:txBody>
+            <a:bodyPr/>
+            <a:lstStyle/>
+            <a:p/>
+          </p:txBody>
+        </p:sp>
+        <p:sp>
+          <p:nvSpPr>
+            <p:cNvPr id="26" name="pl26"/>
+            <p:cNvSpPr/>
+            <p:nvPr/>
+          </p:nvSpPr>
+          <p:spPr>
+            <a:xfrm>
+              <a:off x="3545241" y="3274535"/>
+              <a:ext cx="1295770" cy="0"/>
+            </a:xfrm>
+            <a:custGeom>
+              <a:avLst/>
+              <a:pathLst>
+                <a:path w="1295770" h="0">
+                  <a:moveTo>
+                    <a:pt x="0" y="0"/>
+                  </a:moveTo>
+                  <a:lnTo>
+                    <a:pt x="1295770" y="0"/>
+                  </a:lnTo>
+                  <a:lnTo>
+                    <a:pt x="1295770" y="0"/>
+                  </a:lnTo>
+                </a:path>
+              </a:pathLst>
+            </a:custGeom>
+            <a:ln w="13550" cap="flat">
+              <a:solidFill>
+                <a:srgbClr val="EBEBEB">
+                  <a:alpha val="100000"/>
+                </a:srgbClr>
+              </a:solidFill>
+              <a:prstDash val="solid"/>
+              <a:round/>
+            </a:ln>
+          </p:spPr>
+          <p:txBody>
+            <a:bodyPr/>
+            <a:lstStyle/>
+            <a:p/>
+          </p:txBody>
+        </p:sp>
+        <p:sp>
+          <p:nvSpPr>
+            <p:cNvPr id="27" name="pl27"/>
+            <p:cNvSpPr/>
+            <p:nvPr/>
+          </p:nvSpPr>
+          <p:spPr>
+            <a:xfrm>
+              <a:off x="3545241" y="2353503"/>
+              <a:ext cx="1295770" cy="0"/>
+            </a:xfrm>
+            <a:custGeom>
+              <a:avLst/>
+              <a:pathLst>
+                <a:path w="1295770" h="0">
+                  <a:moveTo>
+                    <a:pt x="0" y="0"/>
+                  </a:moveTo>
+                  <a:lnTo>
+                    <a:pt x="1295770" y="0"/>
+                  </a:lnTo>
+                  <a:lnTo>
+                    <a:pt x="1295770" y="0"/>
+                  </a:lnTo>
+                </a:path>
+              </a:pathLst>
+            </a:custGeom>
+            <a:ln w="13550" cap="flat">
+              <a:solidFill>
+                <a:srgbClr val="EBEBEB">
+                  <a:alpha val="100000"/>
+                </a:srgbClr>
+              </a:solidFill>
+              <a:prstDash val="solid"/>
+              <a:round/>
+            </a:ln>
+          </p:spPr>
+          <p:txBody>
+            <a:bodyPr/>
+            <a:lstStyle/>
+            <a:p/>
+          </p:txBody>
+        </p:sp>
+        <p:sp>
+          <p:nvSpPr>
+            <p:cNvPr id="28" name="pl28"/>
+            <p:cNvSpPr/>
+            <p:nvPr/>
+          </p:nvSpPr>
+          <p:spPr>
+            <a:xfrm>
+              <a:off x="3898633" y="1809173"/>
+              <a:ext cx="0" cy="3464924"/>
+            </a:xfrm>
+            <a:custGeom>
+              <a:avLst/>
+              <a:pathLst>
+                <a:path w="0" h="3464924">
+                  <a:moveTo>
+                    <a:pt x="0" y="3464924"/>
+                  </a:moveTo>
+                  <a:lnTo>
+                    <a:pt x="0" y="0"/>
+                  </a:lnTo>
+                  <a:lnTo>
+                    <a:pt x="0" y="0"/>
+                  </a:lnTo>
+                </a:path>
+              </a:pathLst>
+            </a:custGeom>
+            <a:ln w="13550" cap="flat">
+              <a:solidFill>
+                <a:srgbClr val="EBEBEB">
+                  <a:alpha val="100000"/>
+                </a:srgbClr>
+              </a:solidFill>
+              <a:prstDash val="solid"/>
+              <a:round/>
+            </a:ln>
+          </p:spPr>
+          <p:txBody>
+            <a:bodyPr/>
+            <a:lstStyle/>
+            <a:p/>
+          </p:txBody>
+        </p:sp>
+        <p:sp>
+          <p:nvSpPr>
+            <p:cNvPr id="29" name="pl29"/>
+            <p:cNvSpPr/>
+            <p:nvPr/>
+          </p:nvSpPr>
+          <p:spPr>
+            <a:xfrm>
+              <a:off x="4487620" y="1809173"/>
+              <a:ext cx="0" cy="3464924"/>
+            </a:xfrm>
+            <a:custGeom>
+              <a:avLst/>
+              <a:pathLst>
+                <a:path w="0" h="3464924">
+                  <a:moveTo>
+                    <a:pt x="0" y="3464924"/>
+                  </a:moveTo>
+                  <a:lnTo>
+                    <a:pt x="0" y="0"/>
+                  </a:lnTo>
+                  <a:lnTo>
+                    <a:pt x="0" y="0"/>
+                  </a:lnTo>
+                </a:path>
+              </a:pathLst>
+            </a:custGeom>
+            <a:ln w="13550" cap="flat">
+              <a:solidFill>
+                <a:srgbClr val="EBEBEB">
+                  <a:alpha val="100000"/>
+                </a:srgbClr>
+              </a:solidFill>
+              <a:prstDash val="solid"/>
+              <a:round/>
+            </a:ln>
+          </p:spPr>
+          <p:txBody>
+            <a:bodyPr/>
+            <a:lstStyle/>
+            <a:p/>
+          </p:txBody>
+        </p:sp>
+        <p:sp>
+          <p:nvSpPr>
+            <p:cNvPr id="30" name="rc30"/>
+            <p:cNvSpPr/>
+            <p:nvPr/>
+          </p:nvSpPr>
+          <p:spPr>
+            <a:xfrm>
+              <a:off x="3633589" y="3200853"/>
+              <a:ext cx="530088" cy="1915747"/>
+            </a:xfrm>
+            <a:prstGeom prst="rect">
+              <a:avLst/>
+            </a:prstGeom>
+            <a:solidFill>
+              <a:srgbClr val="FEE0D2">
+                <a:alpha val="100000"/>
+              </a:srgbClr>
+            </a:solidFill>
+          </p:spPr>
+          <p:txBody>
+            <a:bodyPr/>
+            <a:lstStyle/>
+            <a:p/>
+          </p:txBody>
+        </p:sp>
+        <p:sp>
+          <p:nvSpPr>
+            <p:cNvPr id="31" name="rc31"/>
+            <p:cNvSpPr/>
+            <p:nvPr/>
+          </p:nvSpPr>
+          <p:spPr>
+            <a:xfrm>
+              <a:off x="4222576" y="4646874"/>
+              <a:ext cx="530088" cy="469726"/>
+            </a:xfrm>
+            <a:prstGeom prst="rect">
+              <a:avLst/>
+            </a:prstGeom>
+            <a:solidFill>
+              <a:srgbClr val="FC9272">
+                <a:alpha val="100000"/>
+              </a:srgbClr>
+            </a:solidFill>
+          </p:spPr>
+          <p:txBody>
+            <a:bodyPr/>
+            <a:lstStyle/>
+            <a:p/>
+          </p:txBody>
+        </p:sp>
+        <p:sp>
+          <p:nvSpPr>
+            <p:cNvPr id="32" name="rc32"/>
+            <p:cNvSpPr/>
+            <p:nvPr/>
+          </p:nvSpPr>
+          <p:spPr>
+            <a:xfrm>
+              <a:off x="3545241" y="1809173"/>
+              <a:ext cx="1295770" cy="3464924"/>
+            </a:xfrm>
+            <a:prstGeom prst="rect">
+              <a:avLst/>
+            </a:prstGeom>
+            <a:ln w="13550" cap="rnd">
+              <a:solidFill>
+                <a:srgbClr val="333333">
+                  <a:alpha val="100000"/>
+                </a:srgbClr>
+              </a:solidFill>
+              <a:prstDash val="solid"/>
+              <a:round/>
+            </a:ln>
+          </p:spPr>
+          <p:txBody>
+            <a:bodyPr/>
+            <a:lstStyle/>
+            <a:p/>
+          </p:txBody>
+        </p:sp>
+        <p:sp>
+          <p:nvSpPr>
+            <p:cNvPr id="33" name="rc33"/>
+            <p:cNvSpPr/>
+            <p:nvPr/>
+          </p:nvSpPr>
+          <p:spPr>
+            <a:xfrm>
+              <a:off x="4910601" y="1809173"/>
+              <a:ext cx="1295770" cy="3464924"/>
+            </a:xfrm>
+            <a:prstGeom prst="rect">
+              <a:avLst/>
+            </a:prstGeom>
+            <a:solidFill>
+              <a:srgbClr val="FFFFFF">
+                <a:alpha val="100000"/>
+              </a:srgbClr>
+            </a:solidFill>
+          </p:spPr>
+          <p:txBody>
+            <a:bodyPr/>
+            <a:lstStyle/>
+            <a:p/>
+          </p:txBody>
+        </p:sp>
+        <p:sp>
+          <p:nvSpPr>
+            <p:cNvPr id="34" name="pl34"/>
+            <p:cNvSpPr/>
+            <p:nvPr/>
+          </p:nvSpPr>
+          <p:spPr>
+            <a:xfrm>
+              <a:off x="4910601" y="4656084"/>
+              <a:ext cx="1295770" cy="0"/>
+            </a:xfrm>
+            <a:custGeom>
+              <a:avLst/>
+              <a:pathLst>
+                <a:path w="1295770" h="0">
+                  <a:moveTo>
+                    <a:pt x="0" y="0"/>
+                  </a:moveTo>
+                  <a:lnTo>
+                    <a:pt x="1295770" y="0"/>
+                  </a:lnTo>
+                  <a:lnTo>
+                    <a:pt x="1295770" y="0"/>
+                  </a:lnTo>
+                </a:path>
+              </a:pathLst>
+            </a:custGeom>
+            <a:ln w="6775" cap="flat">
+              <a:solidFill>
+                <a:srgbClr val="EBEBEB">
+                  <a:alpha val="100000"/>
+                </a:srgbClr>
+              </a:solidFill>
+              <a:prstDash val="solid"/>
+              <a:round/>
+            </a:ln>
+          </p:spPr>
+          <p:txBody>
+            <a:bodyPr/>
+            <a:lstStyle/>
+            <a:p/>
+          </p:txBody>
+        </p:sp>
+        <p:sp>
+          <p:nvSpPr>
+            <p:cNvPr id="35" name="pl35"/>
+            <p:cNvSpPr/>
+            <p:nvPr/>
+          </p:nvSpPr>
+          <p:spPr>
+            <a:xfrm>
+              <a:off x="4910601" y="3735052"/>
+              <a:ext cx="1295770" cy="0"/>
+            </a:xfrm>
+            <a:custGeom>
+              <a:avLst/>
+              <a:pathLst>
+                <a:path w="1295770" h="0">
+                  <a:moveTo>
+                    <a:pt x="0" y="0"/>
+                  </a:moveTo>
+                  <a:lnTo>
+                    <a:pt x="1295770" y="0"/>
+                  </a:lnTo>
+                  <a:lnTo>
+                    <a:pt x="1295770" y="0"/>
+                  </a:lnTo>
+                </a:path>
+              </a:pathLst>
+            </a:custGeom>
+            <a:ln w="6775" cap="flat">
+              <a:solidFill>
+                <a:srgbClr val="EBEBEB">
+                  <a:alpha val="100000"/>
+                </a:srgbClr>
+              </a:solidFill>
+              <a:prstDash val="solid"/>
+              <a:round/>
+            </a:ln>
+          </p:spPr>
+          <p:txBody>
+            <a:bodyPr/>
+            <a:lstStyle/>
+            <a:p/>
+          </p:txBody>
+        </p:sp>
+        <p:sp>
+          <p:nvSpPr>
+            <p:cNvPr id="36" name="pl36"/>
+            <p:cNvSpPr/>
+            <p:nvPr/>
+          </p:nvSpPr>
+          <p:spPr>
+            <a:xfrm>
+              <a:off x="4910601" y="2814019"/>
+              <a:ext cx="1295770" cy="0"/>
+            </a:xfrm>
+            <a:custGeom>
+              <a:avLst/>
+              <a:pathLst>
+                <a:path w="1295770" h="0">
+                  <a:moveTo>
+                    <a:pt x="0" y="0"/>
+                  </a:moveTo>
+                  <a:lnTo>
+                    <a:pt x="1295770" y="0"/>
+                  </a:lnTo>
+                  <a:lnTo>
+                    <a:pt x="1295770" y="0"/>
+                  </a:lnTo>
+                </a:path>
+              </a:pathLst>
+            </a:custGeom>
+            <a:ln w="6775" cap="flat">
+              <a:solidFill>
+                <a:srgbClr val="EBEBEB">
+                  <a:alpha val="100000"/>
+                </a:srgbClr>
+              </a:solidFill>
+              <a:prstDash val="solid"/>
+              <a:round/>
+            </a:ln>
+          </p:spPr>
+          <p:txBody>
+            <a:bodyPr/>
+            <a:lstStyle/>
+            <a:p/>
+          </p:txBody>
+        </p:sp>
+        <p:sp>
+          <p:nvSpPr>
+            <p:cNvPr id="37" name="pl37"/>
+            <p:cNvSpPr/>
+            <p:nvPr/>
+          </p:nvSpPr>
+          <p:spPr>
+            <a:xfrm>
+              <a:off x="4910601" y="1892987"/>
+              <a:ext cx="1295770" cy="0"/>
+            </a:xfrm>
+            <a:custGeom>
+              <a:avLst/>
+              <a:pathLst>
+                <a:path w="1295770" h="0">
+                  <a:moveTo>
+                    <a:pt x="0" y="0"/>
+                  </a:moveTo>
+                  <a:lnTo>
+                    <a:pt x="1295770" y="0"/>
+                  </a:lnTo>
+                  <a:lnTo>
+                    <a:pt x="1295770" y="0"/>
+                  </a:lnTo>
+                </a:path>
+              </a:pathLst>
+            </a:custGeom>
+            <a:ln w="6775" cap="flat">
+              <a:solidFill>
+                <a:srgbClr val="EBEBEB">
+                  <a:alpha val="100000"/>
+                </a:srgbClr>
+              </a:solidFill>
+              <a:prstDash val="solid"/>
+              <a:round/>
+            </a:ln>
+          </p:spPr>
+          <p:txBody>
+            <a:bodyPr/>
+            <a:lstStyle/>
+            <a:p/>
+          </p:txBody>
+        </p:sp>
+        <p:sp>
+          <p:nvSpPr>
+            <p:cNvPr id="38" name="pl38"/>
+            <p:cNvSpPr/>
+            <p:nvPr/>
+          </p:nvSpPr>
+          <p:spPr>
+            <a:xfrm>
+              <a:off x="4910601" y="5116600"/>
+              <a:ext cx="1295770" cy="0"/>
+            </a:xfrm>
+            <a:custGeom>
+              <a:avLst/>
+              <a:pathLst>
+                <a:path w="1295770" h="0">
+                  <a:moveTo>
+                    <a:pt x="0" y="0"/>
+                  </a:moveTo>
+                  <a:lnTo>
+                    <a:pt x="1295770" y="0"/>
+                  </a:lnTo>
+                  <a:lnTo>
+                    <a:pt x="1295770" y="0"/>
+                  </a:lnTo>
+                </a:path>
+              </a:pathLst>
+            </a:custGeom>
+            <a:ln w="13550" cap="flat">
+              <a:solidFill>
+                <a:srgbClr val="EBEBEB">
+                  <a:alpha val="100000"/>
+                </a:srgbClr>
+              </a:solidFill>
+              <a:prstDash val="solid"/>
+              <a:round/>
+            </a:ln>
+          </p:spPr>
+          <p:txBody>
+            <a:bodyPr/>
+            <a:lstStyle/>
+            <a:p/>
+          </p:txBody>
+        </p:sp>
+        <p:sp>
+          <p:nvSpPr>
+            <p:cNvPr id="39" name="pl39"/>
+            <p:cNvSpPr/>
+            <p:nvPr/>
+          </p:nvSpPr>
+          <p:spPr>
+            <a:xfrm>
+              <a:off x="4910601" y="4195568"/>
+              <a:ext cx="1295770" cy="0"/>
+            </a:xfrm>
+            <a:custGeom>
+              <a:avLst/>
+              <a:pathLst>
+                <a:path w="1295770" h="0">
+                  <a:moveTo>
+                    <a:pt x="0" y="0"/>
+                  </a:moveTo>
+                  <a:lnTo>
+                    <a:pt x="1295770" y="0"/>
+                  </a:lnTo>
+                  <a:lnTo>
+                    <a:pt x="1295770" y="0"/>
+                  </a:lnTo>
+                </a:path>
+              </a:pathLst>
+            </a:custGeom>
+            <a:ln w="13550" cap="flat">
+              <a:solidFill>
+                <a:srgbClr val="EBEBEB">
+                  <a:alpha val="100000"/>
+                </a:srgbClr>
+              </a:solidFill>
+              <a:prstDash val="solid"/>
+              <a:round/>
+            </a:ln>
+          </p:spPr>
+          <p:txBody>
+            <a:bodyPr/>
+            <a:lstStyle/>
+            <a:p/>
+          </p:txBody>
+        </p:sp>
+        <p:sp>
+          <p:nvSpPr>
+            <p:cNvPr id="40" name="pl40"/>
+            <p:cNvSpPr/>
+            <p:nvPr/>
+          </p:nvSpPr>
+          <p:spPr>
+            <a:xfrm>
+              <a:off x="4910601" y="3274535"/>
+              <a:ext cx="1295770" cy="0"/>
+            </a:xfrm>
+            <a:custGeom>
+              <a:avLst/>
+              <a:pathLst>
+                <a:path w="1295770" h="0">
+                  <a:moveTo>
+                    <a:pt x="0" y="0"/>
+                  </a:moveTo>
+                  <a:lnTo>
+                    <a:pt x="1295770" y="0"/>
+                  </a:lnTo>
+                  <a:lnTo>
+                    <a:pt x="1295770" y="0"/>
+                  </a:lnTo>
+                </a:path>
+              </a:pathLst>
+            </a:custGeom>
+            <a:ln w="13550" cap="flat">
+              <a:solidFill>
+                <a:srgbClr val="EBEBEB">
+                  <a:alpha val="100000"/>
+                </a:srgbClr>
+              </a:solidFill>
+              <a:prstDash val="solid"/>
+              <a:round/>
+            </a:ln>
+          </p:spPr>
+          <p:txBody>
+            <a:bodyPr/>
+            <a:lstStyle/>
+            <a:p/>
+          </p:txBody>
+        </p:sp>
+        <p:sp>
+          <p:nvSpPr>
+            <p:cNvPr id="41" name="pl41"/>
+            <p:cNvSpPr/>
+            <p:nvPr/>
+          </p:nvSpPr>
+          <p:spPr>
+            <a:xfrm>
+              <a:off x="4910601" y="2353503"/>
+              <a:ext cx="1295770" cy="0"/>
+            </a:xfrm>
+            <a:custGeom>
+              <a:avLst/>
+              <a:pathLst>
+                <a:path w="1295770" h="0">
+                  <a:moveTo>
+                    <a:pt x="0" y="0"/>
+                  </a:moveTo>
+                  <a:lnTo>
+                    <a:pt x="1295770" y="0"/>
+                  </a:lnTo>
+                  <a:lnTo>
+                    <a:pt x="1295770" y="0"/>
+                  </a:lnTo>
+                </a:path>
+              </a:pathLst>
+            </a:custGeom>
+            <a:ln w="13550" cap="flat">
+              <a:solidFill>
+                <a:srgbClr val="EBEBEB">
+                  <a:alpha val="100000"/>
+                </a:srgbClr>
+              </a:solidFill>
+              <a:prstDash val="solid"/>
+              <a:round/>
+            </a:ln>
+          </p:spPr>
+          <p:txBody>
+            <a:bodyPr/>
+            <a:lstStyle/>
+            <a:p/>
+          </p:txBody>
+        </p:sp>
+        <p:sp>
+          <p:nvSpPr>
+            <p:cNvPr id="42" name="pl42"/>
+            <p:cNvSpPr/>
+            <p:nvPr/>
+          </p:nvSpPr>
+          <p:spPr>
+            <a:xfrm>
+              <a:off x="5263993" y="1809173"/>
+              <a:ext cx="0" cy="3464924"/>
+            </a:xfrm>
+            <a:custGeom>
+              <a:avLst/>
+              <a:pathLst>
+                <a:path w="0" h="3464924">
+                  <a:moveTo>
+                    <a:pt x="0" y="3464924"/>
+                  </a:moveTo>
+                  <a:lnTo>
+                    <a:pt x="0" y="0"/>
+                  </a:lnTo>
+                  <a:lnTo>
+                    <a:pt x="0" y="0"/>
+                  </a:lnTo>
+                </a:path>
+              </a:pathLst>
+            </a:custGeom>
+            <a:ln w="13550" cap="flat">
+              <a:solidFill>
+                <a:srgbClr val="EBEBEB">
+                  <a:alpha val="100000"/>
+                </a:srgbClr>
+              </a:solidFill>
+              <a:prstDash val="solid"/>
+              <a:round/>
+            </a:ln>
+          </p:spPr>
+          <p:txBody>
+            <a:bodyPr/>
+            <a:lstStyle/>
+            <a:p/>
+          </p:txBody>
+        </p:sp>
+        <p:sp>
+          <p:nvSpPr>
+            <p:cNvPr id="43" name="pl43"/>
+            <p:cNvSpPr/>
+            <p:nvPr/>
+          </p:nvSpPr>
+          <p:spPr>
+            <a:xfrm>
+              <a:off x="5852980" y="1809173"/>
+              <a:ext cx="0" cy="3464924"/>
+            </a:xfrm>
+            <a:custGeom>
+              <a:avLst/>
+              <a:pathLst>
+                <a:path w="0" h="3464924">
+                  <a:moveTo>
+                    <a:pt x="0" y="3464924"/>
+                  </a:moveTo>
+                  <a:lnTo>
+                    <a:pt x="0" y="0"/>
+                  </a:lnTo>
+                  <a:lnTo>
+                    <a:pt x="0" y="0"/>
+                  </a:lnTo>
+                </a:path>
+              </a:pathLst>
+            </a:custGeom>
+            <a:ln w="13550" cap="flat">
+              <a:solidFill>
+                <a:srgbClr val="EBEBEB">
+                  <a:alpha val="100000"/>
+                </a:srgbClr>
+              </a:solidFill>
+              <a:prstDash val="solid"/>
+              <a:round/>
+            </a:ln>
+          </p:spPr>
+          <p:txBody>
+            <a:bodyPr/>
+            <a:lstStyle/>
+            <a:p/>
+          </p:txBody>
+        </p:sp>
+        <p:sp>
+          <p:nvSpPr>
+            <p:cNvPr id="44" name="rc44"/>
+            <p:cNvSpPr/>
+            <p:nvPr/>
+          </p:nvSpPr>
+          <p:spPr>
+            <a:xfrm>
+              <a:off x="4998949" y="4702136"/>
+              <a:ext cx="530088" cy="414464"/>
+            </a:xfrm>
+            <a:prstGeom prst="rect">
+              <a:avLst/>
+            </a:prstGeom>
+            <a:solidFill>
+              <a:srgbClr val="FEE0D2">
+                <a:alpha val="100000"/>
+              </a:srgbClr>
+            </a:solidFill>
+          </p:spPr>
+          <p:txBody>
+            <a:bodyPr/>
+            <a:lstStyle/>
+            <a:p/>
+          </p:txBody>
+        </p:sp>
+        <p:sp>
+          <p:nvSpPr>
+            <p:cNvPr id="45" name="rc45"/>
+            <p:cNvSpPr/>
+            <p:nvPr/>
+          </p:nvSpPr>
+          <p:spPr>
+            <a:xfrm>
+              <a:off x="5587936" y="4738977"/>
+              <a:ext cx="530088" cy="377623"/>
+            </a:xfrm>
+            <a:prstGeom prst="rect">
+              <a:avLst/>
+            </a:prstGeom>
+            <a:solidFill>
+              <a:srgbClr val="FC9272">
+                <a:alpha val="100000"/>
+              </a:srgbClr>
+            </a:solidFill>
+          </p:spPr>
+          <p:txBody>
+            <a:bodyPr/>
+            <a:lstStyle/>
+            <a:p/>
+          </p:txBody>
+        </p:sp>
+        <p:sp>
+          <p:nvSpPr>
+            <p:cNvPr id="46" name="rc46"/>
+            <p:cNvSpPr/>
+            <p:nvPr/>
+          </p:nvSpPr>
+          <p:spPr>
+            <a:xfrm>
+              <a:off x="4910601" y="1809173"/>
+              <a:ext cx="1295770" cy="3464924"/>
+            </a:xfrm>
+            <a:prstGeom prst="rect">
+              <a:avLst/>
+            </a:prstGeom>
+            <a:ln w="13550" cap="rnd">
+              <a:solidFill>
+                <a:srgbClr val="333333">
+                  <a:alpha val="100000"/>
+                </a:srgbClr>
+              </a:solidFill>
+              <a:prstDash val="solid"/>
+              <a:round/>
+            </a:ln>
+          </p:spPr>
+          <p:txBody>
+            <a:bodyPr/>
+            <a:lstStyle/>
+            <a:p/>
+          </p:txBody>
+        </p:sp>
+        <p:sp>
+          <p:nvSpPr>
+            <p:cNvPr id="47" name="rc47"/>
+            <p:cNvSpPr/>
+            <p:nvPr/>
+          </p:nvSpPr>
+          <p:spPr>
+            <a:xfrm>
+              <a:off x="6275961" y="1809173"/>
+              <a:ext cx="1295770" cy="3464924"/>
+            </a:xfrm>
+            <a:prstGeom prst="rect">
+              <a:avLst/>
+            </a:prstGeom>
+            <a:solidFill>
+              <a:srgbClr val="FFFFFF">
+                <a:alpha val="100000"/>
+              </a:srgbClr>
+            </a:solidFill>
+          </p:spPr>
+          <p:txBody>
+            <a:bodyPr/>
+            <a:lstStyle/>
+            <a:p/>
+          </p:txBody>
+        </p:sp>
+        <p:sp>
+          <p:nvSpPr>
+            <p:cNvPr id="48" name="pl48"/>
+            <p:cNvSpPr/>
+            <p:nvPr/>
+          </p:nvSpPr>
+          <p:spPr>
+            <a:xfrm>
+              <a:off x="6275961" y="4656084"/>
+              <a:ext cx="1295770" cy="0"/>
+            </a:xfrm>
+            <a:custGeom>
+              <a:avLst/>
+              <a:pathLst>
+                <a:path w="1295770" h="0">
+                  <a:moveTo>
+                    <a:pt x="0" y="0"/>
+                  </a:moveTo>
+                  <a:lnTo>
+                    <a:pt x="1295770" y="0"/>
+                  </a:lnTo>
+                  <a:lnTo>
+                    <a:pt x="1295770" y="0"/>
+                  </a:lnTo>
+                </a:path>
+              </a:pathLst>
+            </a:custGeom>
+            <a:ln w="6775" cap="flat">
+              <a:solidFill>
+                <a:srgbClr val="EBEBEB">
+                  <a:alpha val="100000"/>
+                </a:srgbClr>
+              </a:solidFill>
+              <a:prstDash val="solid"/>
+              <a:round/>
+            </a:ln>
+          </p:spPr>
+          <p:txBody>
+            <a:bodyPr/>
+            <a:lstStyle/>
+            <a:p/>
+          </p:txBody>
+        </p:sp>
+        <p:sp>
+          <p:nvSpPr>
+            <p:cNvPr id="49" name="pl49"/>
+            <p:cNvSpPr/>
+            <p:nvPr/>
+          </p:nvSpPr>
+          <p:spPr>
+            <a:xfrm>
+              <a:off x="6275961" y="3735052"/>
+              <a:ext cx="1295770" cy="0"/>
+            </a:xfrm>
+            <a:custGeom>
+              <a:avLst/>
+              <a:pathLst>
+                <a:path w="1295770" h="0">
+                  <a:moveTo>
+                    <a:pt x="0" y="0"/>
+                  </a:moveTo>
+                  <a:lnTo>
+                    <a:pt x="1295770" y="0"/>
+                  </a:lnTo>
+                  <a:lnTo>
+                    <a:pt x="1295770" y="0"/>
+                  </a:lnTo>
+                </a:path>
+              </a:pathLst>
+            </a:custGeom>
+            <a:ln w="6775" cap="flat">
+              <a:solidFill>
+                <a:srgbClr val="EBEBEB">
+                  <a:alpha val="100000"/>
+                </a:srgbClr>
+              </a:solidFill>
+              <a:prstDash val="solid"/>
+              <a:round/>
+            </a:ln>
+          </p:spPr>
+          <p:txBody>
+            <a:bodyPr/>
+            <a:lstStyle/>
+            <a:p/>
+          </p:txBody>
+        </p:sp>
+        <p:sp>
+          <p:nvSpPr>
+            <p:cNvPr id="50" name="pl50"/>
+            <p:cNvSpPr/>
+            <p:nvPr/>
+          </p:nvSpPr>
+          <p:spPr>
+            <a:xfrm>
+              <a:off x="6275961" y="2814019"/>
+              <a:ext cx="1295770" cy="0"/>
+            </a:xfrm>
+            <a:custGeom>
+              <a:avLst/>
+              <a:pathLst>
+                <a:path w="1295770" h="0">
+                  <a:moveTo>
+                    <a:pt x="0" y="0"/>
+                  </a:moveTo>
+                  <a:lnTo>
+                    <a:pt x="1295770" y="0"/>
+                  </a:lnTo>
+                  <a:lnTo>
+                    <a:pt x="1295770" y="0"/>
+                  </a:lnTo>
+                </a:path>
+              </a:pathLst>
+            </a:custGeom>
+            <a:ln w="6775" cap="flat">
+              <a:solidFill>
+                <a:srgbClr val="EBEBEB">
+                  <a:alpha val="100000"/>
+                </a:srgbClr>
+              </a:solidFill>
+              <a:prstDash val="solid"/>
+              <a:round/>
+            </a:ln>
+          </p:spPr>
+          <p:txBody>
+            <a:bodyPr/>
+            <a:lstStyle/>
+            <a:p/>
+          </p:txBody>
+        </p:sp>
+        <p:sp>
+          <p:nvSpPr>
+            <p:cNvPr id="51" name="pl51"/>
+            <p:cNvSpPr/>
+            <p:nvPr/>
+          </p:nvSpPr>
+          <p:spPr>
+            <a:xfrm>
+              <a:off x="6275961" y="1892987"/>
+              <a:ext cx="1295770" cy="0"/>
+            </a:xfrm>
+            <a:custGeom>
+              <a:avLst/>
+              <a:pathLst>
+                <a:path w="1295770" h="0">
+                  <a:moveTo>
+                    <a:pt x="0" y="0"/>
+                  </a:moveTo>
+                  <a:lnTo>
+                    <a:pt x="1295770" y="0"/>
+                  </a:lnTo>
+                  <a:lnTo>
+                    <a:pt x="1295770" y="0"/>
+                  </a:lnTo>
+                </a:path>
+              </a:pathLst>
+            </a:custGeom>
+            <a:ln w="6775" cap="flat">
+              <a:solidFill>
+                <a:srgbClr val="EBEBEB">
+                  <a:alpha val="100000"/>
+                </a:srgbClr>
+              </a:solidFill>
+              <a:prstDash val="solid"/>
+              <a:round/>
+            </a:ln>
+          </p:spPr>
+          <p:txBody>
+            <a:bodyPr/>
+            <a:lstStyle/>
+            <a:p/>
+          </p:txBody>
+        </p:sp>
+        <p:sp>
+          <p:nvSpPr>
+            <p:cNvPr id="52" name="pl52"/>
+            <p:cNvSpPr/>
+            <p:nvPr/>
+          </p:nvSpPr>
+          <p:spPr>
+            <a:xfrm>
+              <a:off x="6275961" y="5116600"/>
+              <a:ext cx="1295770" cy="0"/>
+            </a:xfrm>
+            <a:custGeom>
+              <a:avLst/>
+              <a:pathLst>
+                <a:path w="1295770" h="0">
+                  <a:moveTo>
+                    <a:pt x="0" y="0"/>
+                  </a:moveTo>
+                  <a:lnTo>
+                    <a:pt x="1295770" y="0"/>
+                  </a:lnTo>
+                  <a:lnTo>
+                    <a:pt x="1295770" y="0"/>
+                  </a:lnTo>
+                </a:path>
+              </a:pathLst>
+            </a:custGeom>
+            <a:ln w="13550" cap="flat">
+              <a:solidFill>
+                <a:srgbClr val="EBEBEB">
+                  <a:alpha val="100000"/>
+                </a:srgbClr>
+              </a:solidFill>
+              <a:prstDash val="solid"/>
+              <a:round/>
+            </a:ln>
+          </p:spPr>
+          <p:txBody>
+            <a:bodyPr/>
+            <a:lstStyle/>
+            <a:p/>
+          </p:txBody>
+        </p:sp>
+        <p:sp>
+          <p:nvSpPr>
+            <p:cNvPr id="53" name="pl53"/>
+            <p:cNvSpPr/>
+            <p:nvPr/>
+          </p:nvSpPr>
+          <p:spPr>
+            <a:xfrm>
+              <a:off x="6275961" y="4195568"/>
+              <a:ext cx="1295770" cy="0"/>
+            </a:xfrm>
+            <a:custGeom>
+              <a:avLst/>
+              <a:pathLst>
+                <a:path w="1295770" h="0">
+                  <a:moveTo>
+                    <a:pt x="0" y="0"/>
+                  </a:moveTo>
+                  <a:lnTo>
+                    <a:pt x="1295770" y="0"/>
+                  </a:lnTo>
+                  <a:lnTo>
+                    <a:pt x="1295770" y="0"/>
+                  </a:lnTo>
+                </a:path>
+              </a:pathLst>
+            </a:custGeom>
+            <a:ln w="13550" cap="flat">
+              <a:solidFill>
+                <a:srgbClr val="EBEBEB">
+                  <a:alpha val="100000"/>
+                </a:srgbClr>
+              </a:solidFill>
+              <a:prstDash val="solid"/>
+              <a:round/>
+            </a:ln>
+          </p:spPr>
+          <p:txBody>
+            <a:bodyPr/>
+            <a:lstStyle/>
+            <a:p/>
+          </p:txBody>
+        </p:sp>
+        <p:sp>
+          <p:nvSpPr>
+            <p:cNvPr id="54" name="pl54"/>
+            <p:cNvSpPr/>
+            <p:nvPr/>
+          </p:nvSpPr>
+          <p:spPr>
+            <a:xfrm>
+              <a:off x="6275961" y="3274535"/>
+              <a:ext cx="1295770" cy="0"/>
+            </a:xfrm>
+            <a:custGeom>
+              <a:avLst/>
+              <a:pathLst>
+                <a:path w="1295770" h="0">
+                  <a:moveTo>
+                    <a:pt x="0" y="0"/>
+                  </a:moveTo>
+                  <a:lnTo>
+                    <a:pt x="1295770" y="0"/>
+                  </a:lnTo>
+                  <a:lnTo>
+                    <a:pt x="1295770" y="0"/>
+                  </a:lnTo>
+                </a:path>
+              </a:pathLst>
+            </a:custGeom>
+            <a:ln w="13550" cap="flat">
+              <a:solidFill>
+                <a:srgbClr val="EBEBEB">
+                  <a:alpha val="100000"/>
+                </a:srgbClr>
+              </a:solidFill>
+              <a:prstDash val="solid"/>
+              <a:round/>
+            </a:ln>
+          </p:spPr>
+          <p:txBody>
+            <a:bodyPr/>
+            <a:lstStyle/>
+            <a:p/>
+          </p:txBody>
+        </p:sp>
+        <p:sp>
+          <p:nvSpPr>
+            <p:cNvPr id="55" name="pl55"/>
+            <p:cNvSpPr/>
+            <p:nvPr/>
+          </p:nvSpPr>
+          <p:spPr>
+            <a:xfrm>
+              <a:off x="6275961" y="2353503"/>
+              <a:ext cx="1295770" cy="0"/>
+            </a:xfrm>
+            <a:custGeom>
+              <a:avLst/>
+              <a:pathLst>
+                <a:path w="1295770" h="0">
+                  <a:moveTo>
+                    <a:pt x="0" y="0"/>
+                  </a:moveTo>
+                  <a:lnTo>
+                    <a:pt x="1295770" y="0"/>
+                  </a:lnTo>
+                  <a:lnTo>
+                    <a:pt x="1295770" y="0"/>
+                  </a:lnTo>
+                </a:path>
+              </a:pathLst>
+            </a:custGeom>
+            <a:ln w="13550" cap="flat">
+              <a:solidFill>
+                <a:srgbClr val="EBEBEB">
+                  <a:alpha val="100000"/>
+                </a:srgbClr>
+              </a:solidFill>
+              <a:prstDash val="solid"/>
+              <a:round/>
+            </a:ln>
+          </p:spPr>
+          <p:txBody>
+            <a:bodyPr/>
+            <a:lstStyle/>
+            <a:p/>
+          </p:txBody>
+        </p:sp>
+        <p:sp>
+          <p:nvSpPr>
+            <p:cNvPr id="56" name="pl56"/>
+            <p:cNvSpPr/>
+            <p:nvPr/>
+          </p:nvSpPr>
+          <p:spPr>
+            <a:xfrm>
+              <a:off x="6629353" y="1809173"/>
+              <a:ext cx="0" cy="3464924"/>
+            </a:xfrm>
+            <a:custGeom>
+              <a:avLst/>
+              <a:pathLst>
+                <a:path w="0" h="3464924">
+                  <a:moveTo>
+                    <a:pt x="0" y="3464924"/>
+                  </a:moveTo>
+                  <a:lnTo>
+                    <a:pt x="0" y="0"/>
+                  </a:lnTo>
+                  <a:lnTo>
+                    <a:pt x="0" y="0"/>
+                  </a:lnTo>
+                </a:path>
+              </a:pathLst>
+            </a:custGeom>
+            <a:ln w="13550" cap="flat">
+              <a:solidFill>
+                <a:srgbClr val="EBEBEB">
+                  <a:alpha val="100000"/>
+                </a:srgbClr>
+              </a:solidFill>
+              <a:prstDash val="solid"/>
+              <a:round/>
+            </a:ln>
+          </p:spPr>
+          <p:txBody>
+            <a:bodyPr/>
+            <a:lstStyle/>
+            <a:p/>
+          </p:txBody>
+        </p:sp>
+        <p:sp>
+          <p:nvSpPr>
+            <p:cNvPr id="57" name="pl57"/>
+            <p:cNvSpPr/>
+            <p:nvPr/>
+          </p:nvSpPr>
+          <p:spPr>
+            <a:xfrm>
+              <a:off x="7218340" y="1809173"/>
+              <a:ext cx="0" cy="3464924"/>
+            </a:xfrm>
+            <a:custGeom>
+              <a:avLst/>
+              <a:pathLst>
+                <a:path w="0" h="3464924">
+                  <a:moveTo>
+                    <a:pt x="0" y="3464924"/>
+                  </a:moveTo>
+                  <a:lnTo>
+                    <a:pt x="0" y="0"/>
+                  </a:lnTo>
+                  <a:lnTo>
+                    <a:pt x="0" y="0"/>
+                  </a:lnTo>
+                </a:path>
+              </a:pathLst>
+            </a:custGeom>
+            <a:ln w="13550" cap="flat">
+              <a:solidFill>
+                <a:srgbClr val="EBEBEB">
+                  <a:alpha val="100000"/>
+                </a:srgbClr>
+              </a:solidFill>
+              <a:prstDash val="solid"/>
+              <a:round/>
+            </a:ln>
+          </p:spPr>
+          <p:txBody>
+            <a:bodyPr/>
+            <a:lstStyle/>
+            <a:p/>
+          </p:txBody>
+        </p:sp>
+        <p:sp>
+          <p:nvSpPr>
+            <p:cNvPr id="58" name="rc58"/>
+            <p:cNvSpPr/>
+            <p:nvPr/>
+          </p:nvSpPr>
+          <p:spPr>
+            <a:xfrm>
+              <a:off x="6364309" y="4812660"/>
+              <a:ext cx="530088" cy="303940"/>
+            </a:xfrm>
+            <a:prstGeom prst="rect">
+              <a:avLst/>
+            </a:prstGeom>
+            <a:solidFill>
+              <a:srgbClr val="FEE0D2">
+                <a:alpha val="100000"/>
+              </a:srgbClr>
+            </a:solidFill>
+          </p:spPr>
+          <p:txBody>
+            <a:bodyPr/>
+            <a:lstStyle/>
+            <a:p/>
+          </p:txBody>
+        </p:sp>
+        <p:sp>
+          <p:nvSpPr>
+            <p:cNvPr id="59" name="rc59"/>
+            <p:cNvSpPr/>
+            <p:nvPr/>
+          </p:nvSpPr>
+          <p:spPr>
+            <a:xfrm>
+              <a:off x="6953296" y="4775818"/>
+              <a:ext cx="530088" cy="340782"/>
+            </a:xfrm>
+            <a:prstGeom prst="rect">
+              <a:avLst/>
+            </a:prstGeom>
+            <a:solidFill>
+              <a:srgbClr val="FC9272">
+                <a:alpha val="100000"/>
+              </a:srgbClr>
+            </a:solidFill>
+          </p:spPr>
+          <p:txBody>
+            <a:bodyPr/>
+            <a:lstStyle/>
+            <a:p/>
+          </p:txBody>
+        </p:sp>
+        <p:sp>
+          <p:nvSpPr>
+            <p:cNvPr id="60" name="rc60"/>
+            <p:cNvSpPr/>
+            <p:nvPr/>
+          </p:nvSpPr>
+          <p:spPr>
+            <a:xfrm>
+              <a:off x="6275961" y="1809173"/>
+              <a:ext cx="1295770" cy="3464924"/>
+            </a:xfrm>
+            <a:prstGeom prst="rect">
+              <a:avLst/>
+            </a:prstGeom>
+            <a:ln w="13550" cap="rnd">
+              <a:solidFill>
+                <a:srgbClr val="333333">
+                  <a:alpha val="100000"/>
+                </a:srgbClr>
+              </a:solidFill>
+              <a:prstDash val="solid"/>
+              <a:round/>
+            </a:ln>
+          </p:spPr>
+          <p:txBody>
+            <a:bodyPr/>
+            <a:lstStyle/>
+            <a:p/>
+          </p:txBody>
+        </p:sp>
+        <p:sp>
+          <p:nvSpPr>
+            <p:cNvPr id="61" name="rc61"/>
+            <p:cNvSpPr/>
+            <p:nvPr/>
+          </p:nvSpPr>
+          <p:spPr>
+            <a:xfrm>
+              <a:off x="7641321" y="1809173"/>
+              <a:ext cx="1295770" cy="3464924"/>
+            </a:xfrm>
+            <a:prstGeom prst="rect">
+              <a:avLst/>
+            </a:prstGeom>
+            <a:solidFill>
+              <a:srgbClr val="FFFFFF">
+                <a:alpha val="100000"/>
+              </a:srgbClr>
+            </a:solidFill>
+          </p:spPr>
+          <p:txBody>
+            <a:bodyPr/>
+            <a:lstStyle/>
+            <a:p/>
+          </p:txBody>
+        </p:sp>
+        <p:sp>
+          <p:nvSpPr>
+            <p:cNvPr id="62" name="pl62"/>
+            <p:cNvSpPr/>
+            <p:nvPr/>
+          </p:nvSpPr>
+          <p:spPr>
+            <a:xfrm>
+              <a:off x="7641321" y="4656084"/>
+              <a:ext cx="1295770" cy="0"/>
+            </a:xfrm>
+            <a:custGeom>
+              <a:avLst/>
+              <a:pathLst>
+                <a:path w="1295770" h="0">
+                  <a:moveTo>
+                    <a:pt x="0" y="0"/>
+                  </a:moveTo>
+                  <a:lnTo>
+                    <a:pt x="1295770" y="0"/>
+                  </a:lnTo>
+                  <a:lnTo>
+                    <a:pt x="1295770" y="0"/>
+                  </a:lnTo>
+                </a:path>
+              </a:pathLst>
+            </a:custGeom>
+            <a:ln w="6775" cap="flat">
+              <a:solidFill>
+                <a:srgbClr val="EBEBEB">
+                  <a:alpha val="100000"/>
+                </a:srgbClr>
+              </a:solidFill>
+              <a:prstDash val="solid"/>
+              <a:round/>
+            </a:ln>
+          </p:spPr>
+          <p:txBody>
+            <a:bodyPr/>
+            <a:lstStyle/>
+            <a:p/>
+          </p:txBody>
+        </p:sp>
+        <p:sp>
+          <p:nvSpPr>
+            <p:cNvPr id="63" name="pl63"/>
+            <p:cNvSpPr/>
+            <p:nvPr/>
+          </p:nvSpPr>
+          <p:spPr>
+            <a:xfrm>
+              <a:off x="7641321" y="3735052"/>
+              <a:ext cx="1295770" cy="0"/>
+            </a:xfrm>
+            <a:custGeom>
+              <a:avLst/>
+              <a:pathLst>
+                <a:path w="1295770" h="0">
+                  <a:moveTo>
+                    <a:pt x="0" y="0"/>
+                  </a:moveTo>
+                  <a:lnTo>
+                    <a:pt x="1295770" y="0"/>
+                  </a:lnTo>
+                  <a:lnTo>
+                    <a:pt x="1295770" y="0"/>
+                  </a:lnTo>
+                </a:path>
+              </a:pathLst>
+            </a:custGeom>
+            <a:ln w="6775" cap="flat">
+              <a:solidFill>
+                <a:srgbClr val="EBEBEB">
+                  <a:alpha val="100000"/>
+                </a:srgbClr>
+              </a:solidFill>
+              <a:prstDash val="solid"/>
+              <a:round/>
+            </a:ln>
+          </p:spPr>
+          <p:txBody>
+            <a:bodyPr/>
+            <a:lstStyle/>
+            <a:p/>
+          </p:txBody>
+        </p:sp>
+        <p:sp>
+          <p:nvSpPr>
+            <p:cNvPr id="64" name="pl64"/>
+            <p:cNvSpPr/>
+            <p:nvPr/>
+          </p:nvSpPr>
+          <p:spPr>
+            <a:xfrm>
+              <a:off x="7641321" y="2814019"/>
+              <a:ext cx="1295770" cy="0"/>
+            </a:xfrm>
+            <a:custGeom>
+              <a:avLst/>
+              <a:pathLst>
+                <a:path w="1295770" h="0">
+                  <a:moveTo>
+                    <a:pt x="0" y="0"/>
+                  </a:moveTo>
+                  <a:lnTo>
+                    <a:pt x="1295770" y="0"/>
+                  </a:lnTo>
+                  <a:lnTo>
+                    <a:pt x="1295770" y="0"/>
+                  </a:lnTo>
+                </a:path>
+              </a:pathLst>
+            </a:custGeom>
+            <a:ln w="6775" cap="flat">
+              <a:solidFill>
+                <a:srgbClr val="EBEBEB">
+                  <a:alpha val="100000"/>
+                </a:srgbClr>
+              </a:solidFill>
+              <a:prstDash val="solid"/>
+              <a:round/>
+            </a:ln>
+          </p:spPr>
+          <p:txBody>
+            <a:bodyPr/>
+            <a:lstStyle/>
+            <a:p/>
+          </p:txBody>
+        </p:sp>
+        <p:sp>
+          <p:nvSpPr>
+            <p:cNvPr id="65" name="pl65"/>
+            <p:cNvSpPr/>
+            <p:nvPr/>
+          </p:nvSpPr>
+          <p:spPr>
+            <a:xfrm>
+              <a:off x="7641321" y="1892987"/>
+              <a:ext cx="1295770" cy="0"/>
+            </a:xfrm>
+            <a:custGeom>
+              <a:avLst/>
+              <a:pathLst>
+                <a:path w="1295770" h="0">
+                  <a:moveTo>
+                    <a:pt x="0" y="0"/>
+                  </a:moveTo>
+                  <a:lnTo>
+                    <a:pt x="1295770" y="0"/>
+                  </a:lnTo>
+                  <a:lnTo>
+                    <a:pt x="1295770" y="0"/>
+                  </a:lnTo>
+                </a:path>
+              </a:pathLst>
+            </a:custGeom>
+            <a:ln w="6775" cap="flat">
+              <a:solidFill>
+                <a:srgbClr val="EBEBEB">
+                  <a:alpha val="100000"/>
+                </a:srgbClr>
+              </a:solidFill>
+              <a:prstDash val="solid"/>
+              <a:round/>
+            </a:ln>
+          </p:spPr>
+          <p:txBody>
+            <a:bodyPr/>
+            <a:lstStyle/>
+            <a:p/>
+          </p:txBody>
+        </p:sp>
+        <p:sp>
+          <p:nvSpPr>
+            <p:cNvPr id="66" name="pl66"/>
+            <p:cNvSpPr/>
+            <p:nvPr/>
+          </p:nvSpPr>
+          <p:spPr>
+            <a:xfrm>
+              <a:off x="7641321" y="5116600"/>
+              <a:ext cx="1295770" cy="0"/>
+            </a:xfrm>
+            <a:custGeom>
+              <a:avLst/>
+              <a:pathLst>
+                <a:path w="1295770" h="0">
+                  <a:moveTo>
+                    <a:pt x="0" y="0"/>
+                  </a:moveTo>
+                  <a:lnTo>
+                    <a:pt x="1295770" y="0"/>
+                  </a:lnTo>
+                  <a:lnTo>
+                    <a:pt x="1295770" y="0"/>
+                  </a:lnTo>
+                </a:path>
+              </a:pathLst>
+            </a:custGeom>
+            <a:ln w="13550" cap="flat">
+              <a:solidFill>
+                <a:srgbClr val="EBEBEB">
+                  <a:alpha val="100000"/>
+                </a:srgbClr>
+              </a:solidFill>
+              <a:prstDash val="solid"/>
+              <a:round/>
+            </a:ln>
+          </p:spPr>
+          <p:txBody>
+            <a:bodyPr/>
+            <a:lstStyle/>
+            <a:p/>
+          </p:txBody>
+        </p:sp>
+        <p:sp>
+          <p:nvSpPr>
+            <p:cNvPr id="67" name="pl67"/>
+            <p:cNvSpPr/>
+            <p:nvPr/>
+          </p:nvSpPr>
+          <p:spPr>
+            <a:xfrm>
+              <a:off x="7641321" y="4195568"/>
+              <a:ext cx="1295770" cy="0"/>
+            </a:xfrm>
+            <a:custGeom>
+              <a:avLst/>
+              <a:pathLst>
+                <a:path w="1295770" h="0">
+                  <a:moveTo>
+                    <a:pt x="0" y="0"/>
+                  </a:moveTo>
+                  <a:lnTo>
+                    <a:pt x="1295770" y="0"/>
+                  </a:lnTo>
+                  <a:lnTo>
+                    <a:pt x="1295770" y="0"/>
+                  </a:lnTo>
+                </a:path>
+              </a:pathLst>
+            </a:custGeom>
+            <a:ln w="13550" cap="flat">
+              <a:solidFill>
+                <a:srgbClr val="EBEBEB">
+                  <a:alpha val="100000"/>
+                </a:srgbClr>
+              </a:solidFill>
+              <a:prstDash val="solid"/>
+              <a:round/>
+            </a:ln>
+          </p:spPr>
+          <p:txBody>
+            <a:bodyPr/>
+            <a:lstStyle/>
+            <a:p/>
+          </p:txBody>
+        </p:sp>
+        <p:sp>
+          <p:nvSpPr>
+            <p:cNvPr id="68" name="pl68"/>
+            <p:cNvSpPr/>
+            <p:nvPr/>
+          </p:nvSpPr>
+          <p:spPr>
+            <a:xfrm>
+              <a:off x="7641321" y="3274535"/>
+              <a:ext cx="1295770" cy="0"/>
+            </a:xfrm>
+            <a:custGeom>
+              <a:avLst/>
+              <a:pathLst>
+                <a:path w="1295770" h="0">
+                  <a:moveTo>
+                    <a:pt x="0" y="0"/>
+                  </a:moveTo>
+                  <a:lnTo>
+                    <a:pt x="1295770" y="0"/>
+                  </a:lnTo>
+                  <a:lnTo>
+                    <a:pt x="1295770" y="0"/>
+                  </a:lnTo>
+                </a:path>
+              </a:pathLst>
+            </a:custGeom>
+            <a:ln w="13550" cap="flat">
+              <a:solidFill>
+                <a:srgbClr val="EBEBEB">
+                  <a:alpha val="100000"/>
+                </a:srgbClr>
+              </a:solidFill>
+              <a:prstDash val="solid"/>
+              <a:round/>
+            </a:ln>
+          </p:spPr>
+          <p:txBody>
+            <a:bodyPr/>
+            <a:lstStyle/>
+            <a:p/>
+          </p:txBody>
+        </p:sp>
+        <p:sp>
+          <p:nvSpPr>
+            <p:cNvPr id="69" name="pl69"/>
+            <p:cNvSpPr/>
+            <p:nvPr/>
+          </p:nvSpPr>
+          <p:spPr>
+            <a:xfrm>
+              <a:off x="7641321" y="2353503"/>
+              <a:ext cx="1295770" cy="0"/>
+            </a:xfrm>
+            <a:custGeom>
+              <a:avLst/>
+              <a:pathLst>
+                <a:path w="1295770" h="0">
+                  <a:moveTo>
+                    <a:pt x="0" y="0"/>
+                  </a:moveTo>
+                  <a:lnTo>
+                    <a:pt x="1295770" y="0"/>
+                  </a:lnTo>
+                  <a:lnTo>
+                    <a:pt x="1295770" y="0"/>
+                  </a:lnTo>
+                </a:path>
+              </a:pathLst>
+            </a:custGeom>
+            <a:ln w="13550" cap="flat">
+              <a:solidFill>
+                <a:srgbClr val="EBEBEB">
+                  <a:alpha val="100000"/>
+                </a:srgbClr>
+              </a:solidFill>
+              <a:prstDash val="solid"/>
+              <a:round/>
+            </a:ln>
+          </p:spPr>
+          <p:txBody>
+            <a:bodyPr/>
+            <a:lstStyle/>
+            <a:p/>
+          </p:txBody>
+        </p:sp>
+        <p:sp>
+          <p:nvSpPr>
+            <p:cNvPr id="70" name="pl70"/>
+            <p:cNvSpPr/>
+            <p:nvPr/>
+          </p:nvSpPr>
+          <p:spPr>
+            <a:xfrm>
+              <a:off x="7994713" y="1809173"/>
+              <a:ext cx="0" cy="3464924"/>
+            </a:xfrm>
+            <a:custGeom>
+              <a:avLst/>
+              <a:pathLst>
+                <a:path w="0" h="3464924">
+                  <a:moveTo>
+                    <a:pt x="0" y="3464924"/>
+                  </a:moveTo>
+                  <a:lnTo>
+                    <a:pt x="0" y="0"/>
+                  </a:lnTo>
+                  <a:lnTo>
+                    <a:pt x="0" y="0"/>
+                  </a:lnTo>
+                </a:path>
+              </a:pathLst>
+            </a:custGeom>
+            <a:ln w="13550" cap="flat">
+              <a:solidFill>
+                <a:srgbClr val="EBEBEB">
+                  <a:alpha val="100000"/>
+                </a:srgbClr>
+              </a:solidFill>
+              <a:prstDash val="solid"/>
+              <a:round/>
+            </a:ln>
+          </p:spPr>
+          <p:txBody>
+            <a:bodyPr/>
+            <a:lstStyle/>
+            <a:p/>
+          </p:txBody>
+        </p:sp>
+        <p:sp>
+          <p:nvSpPr>
+            <p:cNvPr id="71" name="pl71"/>
+            <p:cNvSpPr/>
+            <p:nvPr/>
+          </p:nvSpPr>
+          <p:spPr>
+            <a:xfrm>
+              <a:off x="8583700" y="1809173"/>
+              <a:ext cx="0" cy="3464924"/>
+            </a:xfrm>
+            <a:custGeom>
+              <a:avLst/>
+              <a:pathLst>
+                <a:path w="0" h="3464924">
+                  <a:moveTo>
+                    <a:pt x="0" y="3464924"/>
+                  </a:moveTo>
+                  <a:lnTo>
+                    <a:pt x="0" y="0"/>
+                  </a:lnTo>
+                  <a:lnTo>
+                    <a:pt x="0" y="0"/>
+                  </a:lnTo>
+                </a:path>
+              </a:pathLst>
+            </a:custGeom>
+            <a:ln w="13550" cap="flat">
+              <a:solidFill>
+                <a:srgbClr val="EBEBEB">
+                  <a:alpha val="100000"/>
+                </a:srgbClr>
+              </a:solidFill>
+              <a:prstDash val="solid"/>
+              <a:round/>
+            </a:ln>
+          </p:spPr>
+          <p:txBody>
+            <a:bodyPr/>
+            <a:lstStyle/>
+            <a:p/>
+          </p:txBody>
+        </p:sp>
+        <p:sp>
+          <p:nvSpPr>
+            <p:cNvPr id="72" name="rc72"/>
+            <p:cNvSpPr/>
+            <p:nvPr/>
+          </p:nvSpPr>
+          <p:spPr>
+            <a:xfrm>
+              <a:off x="7729669" y="4379774"/>
+              <a:ext cx="530088" cy="736826"/>
+            </a:xfrm>
+            <a:prstGeom prst="rect">
+              <a:avLst/>
+            </a:prstGeom>
+            <a:solidFill>
+              <a:srgbClr val="FEE0D2">
+                <a:alpha val="100000"/>
+              </a:srgbClr>
+            </a:solidFill>
+          </p:spPr>
+          <p:txBody>
+            <a:bodyPr/>
+            <a:lstStyle/>
+            <a:p/>
+          </p:txBody>
+        </p:sp>
+        <p:sp>
+          <p:nvSpPr>
+            <p:cNvPr id="73" name="rc73"/>
+            <p:cNvSpPr/>
+            <p:nvPr/>
+          </p:nvSpPr>
+          <p:spPr>
+            <a:xfrm>
+              <a:off x="8318656" y="4950815"/>
+              <a:ext cx="530088" cy="165785"/>
+            </a:xfrm>
+            <a:prstGeom prst="rect">
+              <a:avLst/>
+            </a:prstGeom>
+            <a:solidFill>
+              <a:srgbClr val="FC9272">
+                <a:alpha val="100000"/>
+              </a:srgbClr>
+            </a:solidFill>
+          </p:spPr>
+          <p:txBody>
+            <a:bodyPr/>
+            <a:lstStyle/>
+            <a:p/>
+          </p:txBody>
+        </p:sp>
+        <p:sp>
+          <p:nvSpPr>
+            <p:cNvPr id="74" name="rc74"/>
+            <p:cNvSpPr/>
+            <p:nvPr/>
+          </p:nvSpPr>
+          <p:spPr>
+            <a:xfrm>
+              <a:off x="7641321" y="1809173"/>
+              <a:ext cx="1295770" cy="3464924"/>
+            </a:xfrm>
+            <a:prstGeom prst="rect">
+              <a:avLst/>
+            </a:prstGeom>
+            <a:ln w="13550" cap="rnd">
+              <a:solidFill>
+                <a:srgbClr val="333333">
+                  <a:alpha val="100000"/>
+                </a:srgbClr>
+              </a:solidFill>
+              <a:prstDash val="solid"/>
+              <a:round/>
+            </a:ln>
+          </p:spPr>
+          <p:txBody>
+            <a:bodyPr/>
+            <a:lstStyle/>
+            <a:p/>
+          </p:txBody>
+        </p:sp>
+        <p:sp>
+          <p:nvSpPr>
+            <p:cNvPr id="75" name="rc75"/>
+            <p:cNvSpPr/>
+            <p:nvPr/>
+          </p:nvSpPr>
+          <p:spPr>
+            <a:xfrm>
+              <a:off x="2179881" y="1590617"/>
+              <a:ext cx="1295770" cy="218555"/>
+            </a:xfrm>
+            <a:prstGeom prst="rect">
+              <a:avLst/>
+            </a:prstGeom>
+            <a:solidFill>
+              <a:srgbClr val="D9D9D9">
+                <a:alpha val="100000"/>
+              </a:srgbClr>
+            </a:solidFill>
+            <a:ln w="13550" cap="rnd">
+              <a:solidFill>
+                <a:srgbClr val="333333">
+                  <a:alpha val="100000"/>
+                </a:srgbClr>
+              </a:solidFill>
+              <a:prstDash val="solid"/>
+              <a:round/>
+            </a:ln>
+          </p:spPr>
+          <p:txBody>
+            <a:bodyPr/>
+            <a:lstStyle/>
+            <a:p/>
+          </p:txBody>
+        </p:sp>
+        <p:sp>
+          <p:nvSpPr>
+            <p:cNvPr id="76" name="tx76"/>
+            <p:cNvSpPr/>
+            <p:nvPr/>
+          </p:nvSpPr>
+          <p:spPr>
+            <a:xfrm>
+              <a:off x="2618217" y="1670045"/>
+              <a:ext cx="419100" cy="69850"/>
             </a:xfrm>
             <a:prstGeom prst="rect">
               <a:avLst/>
@@ -4335,30 +5941,65 @@
                 </a:spcAft>
               </a:pPr>
               <a:r>
-                <a:rPr sz="880" b="1">
+                <a:rPr sz="880">
                   <a:solidFill>
-                    <a:srgbClr val="4D4D4D">
+                    <a:srgbClr val="1A1A1A">
                       <a:alpha val="100000"/>
                     </a:srgbClr>
                   </a:solidFill>
                   <a:latin typeface="Arial"/>
                   <a:cs typeface="Arial"/>
                 </a:rPr>
-                <a:t>7</a:t>
+                <a:t>基础研究者</a:t>
               </a:r>
             </a:p>
           </p:txBody>
         </p:sp>
         <p:sp>
           <p:nvSpPr>
-            <p:cNvPr id="35" name="tx35"/>
-            <p:cNvSpPr/>
-            <p:nvPr/>
-          </p:nvSpPr>
-          <p:spPr>
-            <a:xfrm>
-              <a:off x="1926599" y="4697611"/>
-              <a:ext cx="62155" cy="81691"/>
+            <p:cNvPr id="77" name="rc77"/>
+            <p:cNvSpPr/>
+            <p:nvPr/>
+          </p:nvSpPr>
+          <p:spPr>
+            <a:xfrm>
+              <a:off x="3545241" y="1590617"/>
+              <a:ext cx="1295770" cy="218555"/>
+            </a:xfrm>
+            <a:prstGeom prst="rect">
+              <a:avLst/>
+            </a:prstGeom>
+            <a:solidFill>
+              <a:srgbClr val="D9D9D9">
+                <a:alpha val="100000"/>
+              </a:srgbClr>
+            </a:solidFill>
+            <a:ln w="13550" cap="rnd">
+              <a:solidFill>
+                <a:srgbClr val="333333">
+                  <a:alpha val="100000"/>
+                </a:srgbClr>
+              </a:solidFill>
+              <a:prstDash val="solid"/>
+              <a:round/>
+            </a:ln>
+          </p:spPr>
+          <p:txBody>
+            <a:bodyPr/>
+            <a:lstStyle/>
+            <a:p/>
+          </p:txBody>
+        </p:sp>
+        <p:sp>
+          <p:nvSpPr>
+            <p:cNvPr id="78" name="tx78"/>
+            <p:cNvSpPr/>
+            <p:nvPr/>
+          </p:nvSpPr>
+          <p:spPr>
+            <a:xfrm>
+              <a:off x="4025487" y="1670045"/>
+              <a:ext cx="335280" cy="69850"/>
             </a:xfrm>
             <a:prstGeom prst="rect">
               <a:avLst/>
@@ -4381,30 +6022,65 @@
                 </a:spcAft>
               </a:pPr>
               <a:r>
-                <a:rPr sz="880" b="1">
+                <a:rPr sz="880">
                   <a:solidFill>
-                    <a:srgbClr val="4D4D4D">
+                    <a:srgbClr val="1A1A1A">
                       <a:alpha val="100000"/>
                     </a:srgbClr>
                   </a:solidFill>
                   <a:latin typeface="Arial"/>
                   <a:cs typeface="Arial"/>
                 </a:rPr>
-                <a:t>6</a:t>
+                <a:t>临床医生</a:t>
               </a:r>
             </a:p>
           </p:txBody>
         </p:sp>
         <p:sp>
           <p:nvSpPr>
-            <p:cNvPr id="36" name="tx36"/>
-            <p:cNvSpPr/>
-            <p:nvPr/>
-          </p:nvSpPr>
-          <p:spPr>
-            <a:xfrm>
-              <a:off x="1926599" y="4136765"/>
-              <a:ext cx="62155" cy="80272"/>
+            <p:cNvPr id="79" name="rc79"/>
+            <p:cNvSpPr/>
+            <p:nvPr/>
+          </p:nvSpPr>
+          <p:spPr>
+            <a:xfrm>
+              <a:off x="4910601" y="1590617"/>
+              <a:ext cx="1295770" cy="218555"/>
+            </a:xfrm>
+            <a:prstGeom prst="rect">
+              <a:avLst/>
+            </a:prstGeom>
+            <a:solidFill>
+              <a:srgbClr val="D9D9D9">
+                <a:alpha val="100000"/>
+              </a:srgbClr>
+            </a:solidFill>
+            <a:ln w="13550" cap="rnd">
+              <a:solidFill>
+                <a:srgbClr val="333333">
+                  <a:alpha val="100000"/>
+                </a:srgbClr>
+              </a:solidFill>
+              <a:prstDash val="solid"/>
+              <a:round/>
+            </a:ln>
+          </p:spPr>
+          <p:txBody>
+            <a:bodyPr/>
+            <a:lstStyle/>
+            <a:p/>
+          </p:txBody>
+        </p:sp>
+        <p:sp>
+          <p:nvSpPr>
+            <p:cNvPr id="80" name="tx80"/>
+            <p:cNvSpPr/>
+            <p:nvPr/>
+          </p:nvSpPr>
+          <p:spPr>
+            <a:xfrm>
+              <a:off x="5348937" y="1670045"/>
+              <a:ext cx="419100" cy="69850"/>
             </a:xfrm>
             <a:prstGeom prst="rect">
               <a:avLst/>
@@ -4427,30 +6103,65 @@
                 </a:spcAft>
               </a:pPr>
               <a:r>
-                <a:rPr sz="880" b="1">
+                <a:rPr sz="880">
                   <a:solidFill>
-                    <a:srgbClr val="4D4D4D">
+                    <a:srgbClr val="1A1A1A">
                       <a:alpha val="100000"/>
                     </a:srgbClr>
                   </a:solidFill>
                   <a:latin typeface="Arial"/>
                   <a:cs typeface="Arial"/>
                 </a:rPr>
-                <a:t>5</a:t>
+                <a:t>企业管理者</a:t>
               </a:r>
             </a:p>
           </p:txBody>
         </p:sp>
         <p:sp>
           <p:nvSpPr>
-            <p:cNvPr id="37" name="tx37"/>
-            <p:cNvSpPr/>
-            <p:nvPr/>
-          </p:nvSpPr>
-          <p:spPr>
-            <a:xfrm>
-              <a:off x="1926599" y="3574445"/>
-              <a:ext cx="62155" cy="80327"/>
+            <p:cNvPr id="81" name="rc81"/>
+            <p:cNvSpPr/>
+            <p:nvPr/>
+          </p:nvSpPr>
+          <p:spPr>
+            <a:xfrm>
+              <a:off x="6275961" y="1590617"/>
+              <a:ext cx="1295770" cy="218555"/>
+            </a:xfrm>
+            <a:prstGeom prst="rect">
+              <a:avLst/>
+            </a:prstGeom>
+            <a:solidFill>
+              <a:srgbClr val="D9D9D9">
+                <a:alpha val="100000"/>
+              </a:srgbClr>
+            </a:solidFill>
+            <a:ln w="13550" cap="rnd">
+              <a:solidFill>
+                <a:srgbClr val="333333">
+                  <a:alpha val="100000"/>
+                </a:srgbClr>
+              </a:solidFill>
+              <a:prstDash val="solid"/>
+              <a:round/>
+            </a:ln>
+          </p:spPr>
+          <p:txBody>
+            <a:bodyPr/>
+            <a:lstStyle/>
+            <a:p/>
+          </p:txBody>
+        </p:sp>
+        <p:sp>
+          <p:nvSpPr>
+            <p:cNvPr id="82" name="tx82"/>
+            <p:cNvSpPr/>
+            <p:nvPr/>
+          </p:nvSpPr>
+          <p:spPr>
+            <a:xfrm>
+              <a:off x="6672387" y="1670045"/>
+              <a:ext cx="502920" cy="69850"/>
             </a:xfrm>
             <a:prstGeom prst="rect">
               <a:avLst/>
@@ -4473,30 +6184,65 @@
                 </a:spcAft>
               </a:pPr>
               <a:r>
-                <a:rPr sz="880" b="1">
+                <a:rPr sz="880">
                   <a:solidFill>
-                    <a:srgbClr val="4D4D4D">
+                    <a:srgbClr val="1A1A1A">
                       <a:alpha val="100000"/>
                     </a:srgbClr>
                   </a:solidFill>
                   <a:latin typeface="Arial"/>
                   <a:cs typeface="Arial"/>
                 </a:rPr>
-                <a:t>4</a:t>
+                <a:t>企业研发人员</a:t>
               </a:r>
             </a:p>
           </p:txBody>
         </p:sp>
         <p:sp>
           <p:nvSpPr>
-            <p:cNvPr id="38" name="tx38"/>
-            <p:cNvSpPr/>
-            <p:nvPr/>
-          </p:nvSpPr>
-          <p:spPr>
-            <a:xfrm>
-              <a:off x="1926599" y="3010815"/>
-              <a:ext cx="62155" cy="81691"/>
+            <p:cNvPr id="83" name="rc83"/>
+            <p:cNvSpPr/>
+            <p:nvPr/>
+          </p:nvSpPr>
+          <p:spPr>
+            <a:xfrm>
+              <a:off x="7641321" y="1590617"/>
+              <a:ext cx="1295770" cy="218555"/>
+            </a:xfrm>
+            <a:prstGeom prst="rect">
+              <a:avLst/>
+            </a:prstGeom>
+            <a:solidFill>
+              <a:srgbClr val="D9D9D9">
+                <a:alpha val="100000"/>
+              </a:srgbClr>
+            </a:solidFill>
+            <a:ln w="13550" cap="rnd">
+              <a:solidFill>
+                <a:srgbClr val="333333">
+                  <a:alpha val="100000"/>
+                </a:srgbClr>
+              </a:solidFill>
+              <a:prstDash val="solid"/>
+              <a:round/>
+            </a:ln>
+          </p:spPr>
+          <p:txBody>
+            <a:bodyPr/>
+            <a:lstStyle/>
+            <a:p/>
+          </p:txBody>
+        </p:sp>
+        <p:sp>
+          <p:nvSpPr>
+            <p:cNvPr id="84" name="tx84"/>
+            <p:cNvSpPr/>
+            <p:nvPr/>
+          </p:nvSpPr>
+          <p:spPr>
+            <a:xfrm>
+              <a:off x="8205386" y="1670045"/>
+              <a:ext cx="167640" cy="69850"/>
             </a:xfrm>
             <a:prstGeom prst="rect">
               <a:avLst/>
@@ -4519,139 +6265,47 @@
                 </a:spcAft>
               </a:pPr>
               <a:r>
-                <a:rPr sz="880" b="1">
+                <a:rPr sz="880">
                   <a:solidFill>
-                    <a:srgbClr val="4D4D4D">
+                    <a:srgbClr val="1A1A1A">
                       <a:alpha val="100000"/>
                     </a:srgbClr>
                   </a:solidFill>
                   <a:latin typeface="Arial"/>
                   <a:cs typeface="Arial"/>
                 </a:rPr>
-                <a:t>3</a:t>
+                <a:t>其他</a:t>
               </a:r>
             </a:p>
           </p:txBody>
         </p:sp>
         <p:sp>
           <p:nvSpPr>
-            <p:cNvPr id="39" name="tx39"/>
-            <p:cNvSpPr/>
-            <p:nvPr/>
-          </p:nvSpPr>
-          <p:spPr>
-            <a:xfrm>
-              <a:off x="1926599" y="2449914"/>
-              <a:ext cx="62155" cy="80327"/>
-            </a:xfrm>
-            <a:prstGeom prst="rect">
-              <a:avLst/>
-            </a:prstGeom>
-            <a:noFill/>
-          </p:spPr>
-          <p:txBody>
-            <a:bodyPr lIns="0" rIns="0" tIns="0" bIns="0" anchorCtr="1" anchor="ctr" wrap="none"/>
-            <a:lstStyle/>
-            <a:p>
-              <a:pPr algn="l" marL="0" marR="0" indent="0">
-                <a:lnSpc>
-                  <a:spcPts val="880"/>
-                </a:lnSpc>
-                <a:spcBef>
-                  <a:spcPts val="0"/>
-                </a:spcBef>
-                <a:spcAft>
-                  <a:spcPts val="0"/>
-                </a:spcAft>
-              </a:pPr>
-              <a:r>
-                <a:rPr sz="880" b="1">
-                  <a:solidFill>
-                    <a:srgbClr val="4D4D4D">
-                      <a:alpha val="100000"/>
-                    </a:srgbClr>
-                  </a:solidFill>
-                  <a:latin typeface="Arial"/>
-                  <a:cs typeface="Arial"/>
-                </a:rPr>
-                <a:t>2</a:t>
-              </a:r>
-            </a:p>
-          </p:txBody>
-        </p:sp>
-        <p:sp>
-          <p:nvSpPr>
-            <p:cNvPr id="40" name="tx40"/>
-            <p:cNvSpPr/>
-            <p:nvPr/>
-          </p:nvSpPr>
-          <p:spPr>
-            <a:xfrm>
-              <a:off x="1926599" y="1887649"/>
-              <a:ext cx="62155" cy="80327"/>
-            </a:xfrm>
-            <a:prstGeom prst="rect">
-              <a:avLst/>
-            </a:prstGeom>
-            <a:noFill/>
-          </p:spPr>
-          <p:txBody>
-            <a:bodyPr lIns="0" rIns="0" tIns="0" bIns="0" anchorCtr="1" anchor="ctr" wrap="none"/>
-            <a:lstStyle/>
-            <a:p>
-              <a:pPr algn="l" marL="0" marR="0" indent="0">
-                <a:lnSpc>
-                  <a:spcPts val="880"/>
-                </a:lnSpc>
-                <a:spcBef>
-                  <a:spcPts val="0"/>
-                </a:spcBef>
-                <a:spcAft>
-                  <a:spcPts val="0"/>
-                </a:spcAft>
-              </a:pPr>
-              <a:r>
-                <a:rPr sz="880" b="1">
-                  <a:solidFill>
-                    <a:srgbClr val="4D4D4D">
-                      <a:alpha val="100000"/>
-                    </a:srgbClr>
-                  </a:solidFill>
-                  <a:latin typeface="Arial"/>
-                  <a:cs typeface="Arial"/>
-                </a:rPr>
-                <a:t>1</a:t>
-              </a:r>
-            </a:p>
-          </p:txBody>
-        </p:sp>
-        <p:sp>
-          <p:nvSpPr>
-            <p:cNvPr id="41" name="pl41"/>
-            <p:cNvSpPr/>
-            <p:nvPr/>
-          </p:nvSpPr>
-          <p:spPr>
-            <a:xfrm>
-              <a:off x="1988754" y="5301568"/>
-              <a:ext cx="34794" cy="0"/>
+            <p:cNvPr id="85" name="pl85"/>
+            <p:cNvSpPr/>
+            <p:nvPr/>
+          </p:nvSpPr>
+          <p:spPr>
+            <a:xfrm>
+              <a:off x="2533273" y="5274097"/>
+              <a:ext cx="0" cy="34794"/>
             </a:xfrm>
             <a:custGeom>
               <a:avLst/>
               <a:pathLst>
-                <a:path w="34794" h="0">
+                <a:path w="0" h="34794">
                   <a:moveTo>
+                    <a:pt x="0" y="34794"/>
+                  </a:moveTo>
+                  <a:lnTo>
                     <a:pt x="0" y="0"/>
-                  </a:moveTo>
-                  <a:lnTo>
-                    <a:pt x="34794" y="0"/>
                   </a:lnTo>
                 </a:path>
               </a:pathLst>
             </a:custGeom>
-            <a:ln w="6775" cap="flat">
+            <a:ln w="13550" cap="flat">
               <a:solidFill>
-                <a:srgbClr val="B3B3B3">
+                <a:srgbClr val="333333">
                   <a:alpha val="100000"/>
                 </a:srgbClr>
               </a:solidFill>
@@ -4667,31 +6321,31 @@
         </p:sp>
         <p:sp>
           <p:nvSpPr>
-            <p:cNvPr id="42" name="pl42"/>
-            <p:cNvSpPr/>
-            <p:nvPr/>
-          </p:nvSpPr>
-          <p:spPr>
-            <a:xfrm>
-              <a:off x="1988754" y="4739303"/>
-              <a:ext cx="34794" cy="0"/>
+            <p:cNvPr id="86" name="pl86"/>
+            <p:cNvSpPr/>
+            <p:nvPr/>
+          </p:nvSpPr>
+          <p:spPr>
+            <a:xfrm>
+              <a:off x="3122260" y="5274097"/>
+              <a:ext cx="0" cy="34794"/>
             </a:xfrm>
             <a:custGeom>
               <a:avLst/>
               <a:pathLst>
-                <a:path w="34794" h="0">
+                <a:path w="0" h="34794">
                   <a:moveTo>
+                    <a:pt x="0" y="34794"/>
+                  </a:moveTo>
+                  <a:lnTo>
                     <a:pt x="0" y="0"/>
-                  </a:moveTo>
-                  <a:lnTo>
-                    <a:pt x="34794" y="0"/>
                   </a:lnTo>
                 </a:path>
               </a:pathLst>
             </a:custGeom>
-            <a:ln w="6775" cap="flat">
+            <a:ln w="13550" cap="flat">
               <a:solidFill>
-                <a:srgbClr val="B3B3B3">
+                <a:srgbClr val="333333">
                   <a:alpha val="100000"/>
                 </a:srgbClr>
               </a:solidFill>
@@ -4707,31 +6361,31 @@
         </p:sp>
         <p:sp>
           <p:nvSpPr>
-            <p:cNvPr id="43" name="pl43"/>
-            <p:cNvSpPr/>
-            <p:nvPr/>
-          </p:nvSpPr>
-          <p:spPr>
-            <a:xfrm>
-              <a:off x="1988754" y="4177037"/>
-              <a:ext cx="34794" cy="0"/>
+            <p:cNvPr id="87" name="pl87"/>
+            <p:cNvSpPr/>
+            <p:nvPr/>
+          </p:nvSpPr>
+          <p:spPr>
+            <a:xfrm>
+              <a:off x="3898633" y="5274097"/>
+              <a:ext cx="0" cy="34794"/>
             </a:xfrm>
             <a:custGeom>
               <a:avLst/>
               <a:pathLst>
-                <a:path w="34794" h="0">
+                <a:path w="0" h="34794">
                   <a:moveTo>
+                    <a:pt x="0" y="34794"/>
+                  </a:moveTo>
+                  <a:lnTo>
                     <a:pt x="0" y="0"/>
-                  </a:moveTo>
-                  <a:lnTo>
-                    <a:pt x="34794" y="0"/>
                   </a:lnTo>
                 </a:path>
               </a:pathLst>
             </a:custGeom>
-            <a:ln w="6775" cap="flat">
+            <a:ln w="13550" cap="flat">
               <a:solidFill>
-                <a:srgbClr val="B3B3B3">
+                <a:srgbClr val="333333">
                   <a:alpha val="100000"/>
                 </a:srgbClr>
               </a:solidFill>
@@ -4747,31 +6401,31 @@
         </p:sp>
         <p:sp>
           <p:nvSpPr>
-            <p:cNvPr id="44" name="pl44"/>
-            <p:cNvSpPr/>
-            <p:nvPr/>
-          </p:nvSpPr>
-          <p:spPr>
-            <a:xfrm>
-              <a:off x="1988754" y="3614772"/>
-              <a:ext cx="34794" cy="0"/>
+            <p:cNvPr id="88" name="pl88"/>
+            <p:cNvSpPr/>
+            <p:nvPr/>
+          </p:nvSpPr>
+          <p:spPr>
+            <a:xfrm>
+              <a:off x="4487620" y="5274097"/>
+              <a:ext cx="0" cy="34794"/>
             </a:xfrm>
             <a:custGeom>
               <a:avLst/>
               <a:pathLst>
-                <a:path w="34794" h="0">
+                <a:path w="0" h="34794">
                   <a:moveTo>
+                    <a:pt x="0" y="34794"/>
+                  </a:moveTo>
+                  <a:lnTo>
                     <a:pt x="0" y="0"/>
-                  </a:moveTo>
-                  <a:lnTo>
-                    <a:pt x="34794" y="0"/>
                   </a:lnTo>
                 </a:path>
               </a:pathLst>
             </a:custGeom>
-            <a:ln w="6775" cap="flat">
+            <a:ln w="13550" cap="flat">
               <a:solidFill>
-                <a:srgbClr val="B3B3B3">
+                <a:srgbClr val="333333">
                   <a:alpha val="100000"/>
                 </a:srgbClr>
               </a:solidFill>
@@ -4787,31 +6441,31 @@
         </p:sp>
         <p:sp>
           <p:nvSpPr>
-            <p:cNvPr id="45" name="pl45"/>
-            <p:cNvSpPr/>
-            <p:nvPr/>
-          </p:nvSpPr>
-          <p:spPr>
-            <a:xfrm>
-              <a:off x="1988754" y="3052507"/>
-              <a:ext cx="34794" cy="0"/>
+            <p:cNvPr id="89" name="pl89"/>
+            <p:cNvSpPr/>
+            <p:nvPr/>
+          </p:nvSpPr>
+          <p:spPr>
+            <a:xfrm>
+              <a:off x="5263993" y="5274097"/>
+              <a:ext cx="0" cy="34794"/>
             </a:xfrm>
             <a:custGeom>
               <a:avLst/>
               <a:pathLst>
-                <a:path w="34794" h="0">
+                <a:path w="0" h="34794">
                   <a:moveTo>
+                    <a:pt x="0" y="34794"/>
+                  </a:moveTo>
+                  <a:lnTo>
                     <a:pt x="0" y="0"/>
-                  </a:moveTo>
-                  <a:lnTo>
-                    <a:pt x="34794" y="0"/>
                   </a:lnTo>
                 </a:path>
               </a:pathLst>
             </a:custGeom>
-            <a:ln w="6775" cap="flat">
+            <a:ln w="13550" cap="flat">
               <a:solidFill>
-                <a:srgbClr val="B3B3B3">
+                <a:srgbClr val="333333">
                   <a:alpha val="100000"/>
                 </a:srgbClr>
               </a:solidFill>
@@ -4827,31 +6481,31 @@
         </p:sp>
         <p:sp>
           <p:nvSpPr>
-            <p:cNvPr id="46" name="pl46"/>
-            <p:cNvSpPr/>
-            <p:nvPr/>
-          </p:nvSpPr>
-          <p:spPr>
-            <a:xfrm>
-              <a:off x="1988754" y="2490241"/>
-              <a:ext cx="34794" cy="0"/>
+            <p:cNvPr id="90" name="pl90"/>
+            <p:cNvSpPr/>
+            <p:nvPr/>
+          </p:nvSpPr>
+          <p:spPr>
+            <a:xfrm>
+              <a:off x="5852980" y="5274097"/>
+              <a:ext cx="0" cy="34794"/>
             </a:xfrm>
             <a:custGeom>
               <a:avLst/>
               <a:pathLst>
-                <a:path w="34794" h="0">
+                <a:path w="0" h="34794">
                   <a:moveTo>
+                    <a:pt x="0" y="34794"/>
+                  </a:moveTo>
+                  <a:lnTo>
                     <a:pt x="0" y="0"/>
-                  </a:moveTo>
-                  <a:lnTo>
-                    <a:pt x="34794" y="0"/>
                   </a:lnTo>
                 </a:path>
               </a:pathLst>
             </a:custGeom>
-            <a:ln w="6775" cap="flat">
+            <a:ln w="13550" cap="flat">
               <a:solidFill>
-                <a:srgbClr val="B3B3B3">
+                <a:srgbClr val="333333">
                   <a:alpha val="100000"/>
                 </a:srgbClr>
               </a:solidFill>
@@ -4867,31 +6521,31 @@
         </p:sp>
         <p:sp>
           <p:nvSpPr>
-            <p:cNvPr id="47" name="pl47"/>
-            <p:cNvSpPr/>
-            <p:nvPr/>
-          </p:nvSpPr>
-          <p:spPr>
-            <a:xfrm>
-              <a:off x="1988754" y="1927976"/>
-              <a:ext cx="34794" cy="0"/>
+            <p:cNvPr id="91" name="pl91"/>
+            <p:cNvSpPr/>
+            <p:nvPr/>
+          </p:nvSpPr>
+          <p:spPr>
+            <a:xfrm>
+              <a:off x="6629353" y="5274097"/>
+              <a:ext cx="0" cy="34794"/>
             </a:xfrm>
             <a:custGeom>
               <a:avLst/>
               <a:pathLst>
-                <a:path w="34794" h="0">
+                <a:path w="0" h="34794">
                   <a:moveTo>
+                    <a:pt x="0" y="34794"/>
+                  </a:moveTo>
+                  <a:lnTo>
                     <a:pt x="0" y="0"/>
-                  </a:moveTo>
-                  <a:lnTo>
-                    <a:pt x="34794" y="0"/>
                   </a:lnTo>
                 </a:path>
               </a:pathLst>
             </a:custGeom>
-            <a:ln w="6775" cap="flat">
+            <a:ln w="13550" cap="flat">
               <a:solidFill>
-                <a:srgbClr val="B3B3B3">
+                <a:srgbClr val="333333">
                   <a:alpha val="100000"/>
                 </a:srgbClr>
               </a:solidFill>
@@ -4907,13 +6561,13 @@
         </p:sp>
         <p:sp>
           <p:nvSpPr>
-            <p:cNvPr id="48" name="pl48"/>
-            <p:cNvSpPr/>
-            <p:nvPr/>
-          </p:nvSpPr>
-          <p:spPr>
-            <a:xfrm>
-              <a:off x="2023549" y="5638927"/>
+            <p:cNvPr id="92" name="pl92"/>
+            <p:cNvSpPr/>
+            <p:nvPr/>
+          </p:nvSpPr>
+          <p:spPr>
+            <a:xfrm>
+              <a:off x="7218340" y="5274097"/>
               <a:ext cx="0" cy="34794"/>
             </a:xfrm>
             <a:custGeom>
@@ -4929,9 +6583,9 @@
                 </a:path>
               </a:pathLst>
             </a:custGeom>
-            <a:ln w="6775" cap="flat">
+            <a:ln w="13550" cap="flat">
               <a:solidFill>
-                <a:srgbClr val="B3B3B3">
+                <a:srgbClr val="333333">
                   <a:alpha val="100000"/>
                 </a:srgbClr>
               </a:solidFill>
@@ -4947,13 +6601,13 @@
         </p:sp>
         <p:sp>
           <p:nvSpPr>
-            <p:cNvPr id="49" name="pl49"/>
-            <p:cNvSpPr/>
-            <p:nvPr/>
-          </p:nvSpPr>
-          <p:spPr>
-            <a:xfrm>
-              <a:off x="4554536" y="5638927"/>
+            <p:cNvPr id="93" name="pl93"/>
+            <p:cNvSpPr/>
+            <p:nvPr/>
+          </p:nvSpPr>
+          <p:spPr>
+            <a:xfrm>
+              <a:off x="7994713" y="5274097"/>
               <a:ext cx="0" cy="34794"/>
             </a:xfrm>
             <a:custGeom>
@@ -4969,9 +6623,9 @@
                 </a:path>
               </a:pathLst>
             </a:custGeom>
-            <a:ln w="6775" cap="flat">
+            <a:ln w="13550" cap="flat">
               <a:solidFill>
-                <a:srgbClr val="B3B3B3">
+                <a:srgbClr val="333333">
                   <a:alpha val="100000"/>
                 </a:srgbClr>
               </a:solidFill>
@@ -4987,13 +6641,13 @@
         </p:sp>
         <p:sp>
           <p:nvSpPr>
-            <p:cNvPr id="50" name="pl50"/>
-            <p:cNvSpPr/>
-            <p:nvPr/>
-          </p:nvSpPr>
-          <p:spPr>
-            <a:xfrm>
-              <a:off x="7085523" y="5638927"/>
+            <p:cNvPr id="94" name="pl94"/>
+            <p:cNvSpPr/>
+            <p:nvPr/>
+          </p:nvSpPr>
+          <p:spPr>
+            <a:xfrm>
+              <a:off x="8583700" y="5274097"/>
               <a:ext cx="0" cy="34794"/>
             </a:xfrm>
             <a:custGeom>
@@ -5009,9 +6663,9 @@
                 </a:path>
               </a:pathLst>
             </a:custGeom>
-            <a:ln w="6775" cap="flat">
+            <a:ln w="13550" cap="flat">
               <a:solidFill>
-                <a:srgbClr val="B3B3B3">
+                <a:srgbClr val="333333">
                   <a:alpha val="100000"/>
                 </a:srgbClr>
               </a:solidFill>
@@ -5027,13 +6681,13 @@
         </p:sp>
         <p:sp>
           <p:nvSpPr>
-            <p:cNvPr id="51" name="tx51"/>
-            <p:cNvSpPr/>
-            <p:nvPr/>
-          </p:nvSpPr>
-          <p:spPr>
-            <a:xfrm>
-              <a:off x="1992471" y="5699866"/>
+            <p:cNvPr id="95" name="tx95"/>
+            <p:cNvSpPr/>
+            <p:nvPr/>
+          </p:nvSpPr>
+          <p:spPr>
+            <a:xfrm>
+              <a:off x="2055095" y="5074909"/>
               <a:ext cx="62155" cy="81691"/>
             </a:xfrm>
             <a:prstGeom prst="rect">
@@ -5073,14 +6727,14 @@
         </p:sp>
         <p:sp>
           <p:nvSpPr>
-            <p:cNvPr id="52" name="tx52"/>
-            <p:cNvSpPr/>
-            <p:nvPr/>
-          </p:nvSpPr>
-          <p:spPr>
-            <a:xfrm>
-              <a:off x="4430225" y="5699866"/>
-              <a:ext cx="248622" cy="81691"/>
+            <p:cNvPr id="96" name="tx96"/>
+            <p:cNvSpPr/>
+            <p:nvPr/>
+          </p:nvSpPr>
+          <p:spPr>
+            <a:xfrm>
+              <a:off x="1930784" y="4153876"/>
+              <a:ext cx="186466" cy="81691"/>
             </a:xfrm>
             <a:prstGeom prst="rect">
               <a:avLst/>
@@ -5112,21 +6766,21 @@
                   <a:latin typeface="Arial"/>
                   <a:cs typeface="Arial"/>
                 </a:rPr>
-                <a:t>1000</a:t>
+                <a:t>100</a:t>
               </a:r>
             </a:p>
           </p:txBody>
         </p:sp>
         <p:sp>
           <p:nvSpPr>
-            <p:cNvPr id="53" name="tx53"/>
-            <p:cNvSpPr/>
-            <p:nvPr/>
-          </p:nvSpPr>
-          <p:spPr>
-            <a:xfrm>
-              <a:off x="6961212" y="5699866"/>
-              <a:ext cx="248622" cy="81691"/>
+            <p:cNvPr id="97" name="tx97"/>
+            <p:cNvSpPr/>
+            <p:nvPr/>
+          </p:nvSpPr>
+          <p:spPr>
+            <a:xfrm>
+              <a:off x="1930784" y="3232844"/>
+              <a:ext cx="186466" cy="81691"/>
             </a:xfrm>
             <a:prstGeom prst="rect">
               <a:avLst/>
@@ -5158,7 +6812,435 @@
                   <a:latin typeface="Arial"/>
                   <a:cs typeface="Arial"/>
                 </a:rPr>
-                <a:t>2000</a:t>
+                <a:t>200</a:t>
+              </a:r>
+            </a:p>
+          </p:txBody>
+        </p:sp>
+        <p:sp>
+          <p:nvSpPr>
+            <p:cNvPr id="98" name="tx98"/>
+            <p:cNvSpPr/>
+            <p:nvPr/>
+          </p:nvSpPr>
+          <p:spPr>
+            <a:xfrm>
+              <a:off x="1930784" y="2311757"/>
+              <a:ext cx="186466" cy="81746"/>
+            </a:xfrm>
+            <a:prstGeom prst="rect">
+              <a:avLst/>
+            </a:prstGeom>
+            <a:noFill/>
+          </p:spPr>
+          <p:txBody>
+            <a:bodyPr lIns="0" rIns="0" tIns="0" bIns="0" anchorCtr="1" anchor="ctr" wrap="none"/>
+            <a:lstStyle/>
+            <a:p>
+              <a:pPr algn="l" marL="0" marR="0" indent="0">
+                <a:lnSpc>
+                  <a:spcPts val="880"/>
+                </a:lnSpc>
+                <a:spcBef>
+                  <a:spcPts val="0"/>
+                </a:spcBef>
+                <a:spcAft>
+                  <a:spcPts val="0"/>
+                </a:spcAft>
+              </a:pPr>
+              <a:r>
+                <a:rPr sz="880">
+                  <a:solidFill>
+                    <a:srgbClr val="4D4D4D">
+                      <a:alpha val="100000"/>
+                    </a:srgbClr>
+                  </a:solidFill>
+                  <a:latin typeface="Arial"/>
+                  <a:cs typeface="Arial"/>
+                </a:rPr>
+                <a:t>300</a:t>
+              </a:r>
+            </a:p>
+          </p:txBody>
+        </p:sp>
+        <p:sp>
+          <p:nvSpPr>
+            <p:cNvPr id="99" name="pl99"/>
+            <p:cNvSpPr/>
+            <p:nvPr/>
+          </p:nvSpPr>
+          <p:spPr>
+            <a:xfrm>
+              <a:off x="2145087" y="5116600"/>
+              <a:ext cx="34794" cy="0"/>
+            </a:xfrm>
+            <a:custGeom>
+              <a:avLst/>
+              <a:pathLst>
+                <a:path w="34794" h="0">
+                  <a:moveTo>
+                    <a:pt x="0" y="0"/>
+                  </a:moveTo>
+                  <a:lnTo>
+                    <a:pt x="34794" y="0"/>
+                  </a:lnTo>
+                </a:path>
+              </a:pathLst>
+            </a:custGeom>
+            <a:ln w="13550" cap="flat">
+              <a:solidFill>
+                <a:srgbClr val="333333">
+                  <a:alpha val="100000"/>
+                </a:srgbClr>
+              </a:solidFill>
+              <a:prstDash val="solid"/>
+              <a:round/>
+            </a:ln>
+          </p:spPr>
+          <p:txBody>
+            <a:bodyPr/>
+            <a:lstStyle/>
+            <a:p/>
+          </p:txBody>
+        </p:sp>
+        <p:sp>
+          <p:nvSpPr>
+            <p:cNvPr id="100" name="pl100"/>
+            <p:cNvSpPr/>
+            <p:nvPr/>
+          </p:nvSpPr>
+          <p:spPr>
+            <a:xfrm>
+              <a:off x="2145087" y="4195568"/>
+              <a:ext cx="34794" cy="0"/>
+            </a:xfrm>
+            <a:custGeom>
+              <a:avLst/>
+              <a:pathLst>
+                <a:path w="34794" h="0">
+                  <a:moveTo>
+                    <a:pt x="0" y="0"/>
+                  </a:moveTo>
+                  <a:lnTo>
+                    <a:pt x="34794" y="0"/>
+                  </a:lnTo>
+                </a:path>
+              </a:pathLst>
+            </a:custGeom>
+            <a:ln w="13550" cap="flat">
+              <a:solidFill>
+                <a:srgbClr val="333333">
+                  <a:alpha val="100000"/>
+                </a:srgbClr>
+              </a:solidFill>
+              <a:prstDash val="solid"/>
+              <a:round/>
+            </a:ln>
+          </p:spPr>
+          <p:txBody>
+            <a:bodyPr/>
+            <a:lstStyle/>
+            <a:p/>
+          </p:txBody>
+        </p:sp>
+        <p:sp>
+          <p:nvSpPr>
+            <p:cNvPr id="101" name="pl101"/>
+            <p:cNvSpPr/>
+            <p:nvPr/>
+          </p:nvSpPr>
+          <p:spPr>
+            <a:xfrm>
+              <a:off x="2145087" y="3274535"/>
+              <a:ext cx="34794" cy="0"/>
+            </a:xfrm>
+            <a:custGeom>
+              <a:avLst/>
+              <a:pathLst>
+                <a:path w="34794" h="0">
+                  <a:moveTo>
+                    <a:pt x="0" y="0"/>
+                  </a:moveTo>
+                  <a:lnTo>
+                    <a:pt x="34794" y="0"/>
+                  </a:lnTo>
+                </a:path>
+              </a:pathLst>
+            </a:custGeom>
+            <a:ln w="13550" cap="flat">
+              <a:solidFill>
+                <a:srgbClr val="333333">
+                  <a:alpha val="100000"/>
+                </a:srgbClr>
+              </a:solidFill>
+              <a:prstDash val="solid"/>
+              <a:round/>
+            </a:ln>
+          </p:spPr>
+          <p:txBody>
+            <a:bodyPr/>
+            <a:lstStyle/>
+            <a:p/>
+          </p:txBody>
+        </p:sp>
+        <p:sp>
+          <p:nvSpPr>
+            <p:cNvPr id="102" name="pl102"/>
+            <p:cNvSpPr/>
+            <p:nvPr/>
+          </p:nvSpPr>
+          <p:spPr>
+            <a:xfrm>
+              <a:off x="2145087" y="2353503"/>
+              <a:ext cx="34794" cy="0"/>
+            </a:xfrm>
+            <a:custGeom>
+              <a:avLst/>
+              <a:pathLst>
+                <a:path w="34794" h="0">
+                  <a:moveTo>
+                    <a:pt x="0" y="0"/>
+                  </a:moveTo>
+                  <a:lnTo>
+                    <a:pt x="34794" y="0"/>
+                  </a:lnTo>
+                </a:path>
+              </a:pathLst>
+            </a:custGeom>
+            <a:ln w="13550" cap="flat">
+              <a:solidFill>
+                <a:srgbClr val="333333">
+                  <a:alpha val="100000"/>
+                </a:srgbClr>
+              </a:solidFill>
+              <a:prstDash val="solid"/>
+              <a:round/>
+            </a:ln>
+          </p:spPr>
+          <p:txBody>
+            <a:bodyPr/>
+            <a:lstStyle/>
+            <a:p/>
+          </p:txBody>
+        </p:sp>
+        <p:sp>
+          <p:nvSpPr>
+            <p:cNvPr id="103" name="rc103"/>
+            <p:cNvSpPr/>
+            <p:nvPr/>
+          </p:nvSpPr>
+          <p:spPr>
+            <a:xfrm>
+              <a:off x="4891948" y="5613598"/>
+              <a:ext cx="1333077" cy="358634"/>
+            </a:xfrm>
+            <a:prstGeom prst="rect">
+              <a:avLst/>
+            </a:prstGeom>
+            <a:solidFill>
+              <a:srgbClr val="FFFFFF">
+                <a:alpha val="100000"/>
+              </a:srgbClr>
+            </a:solidFill>
+          </p:spPr>
+          <p:txBody>
+            <a:bodyPr/>
+            <a:lstStyle/>
+            <a:p/>
+          </p:txBody>
+        </p:sp>
+        <p:sp>
+          <p:nvSpPr>
+            <p:cNvPr id="104" name="rc104"/>
+            <p:cNvSpPr/>
+            <p:nvPr/>
+          </p:nvSpPr>
+          <p:spPr>
+            <a:xfrm>
+              <a:off x="5031126" y="5683187"/>
+              <a:ext cx="219455" cy="219455"/>
+            </a:xfrm>
+            <a:prstGeom prst="rect">
+              <a:avLst/>
+            </a:prstGeom>
+            <a:solidFill>
+              <a:srgbClr val="FFFFFF">
+                <a:alpha val="100000"/>
+              </a:srgbClr>
+            </a:solidFill>
+          </p:spPr>
+          <p:txBody>
+            <a:bodyPr/>
+            <a:lstStyle/>
+            <a:p/>
+          </p:txBody>
+        </p:sp>
+        <p:sp>
+          <p:nvSpPr>
+            <p:cNvPr id="105" name="rc105"/>
+            <p:cNvSpPr/>
+            <p:nvPr/>
+          </p:nvSpPr>
+          <p:spPr>
+            <a:xfrm>
+              <a:off x="5040126" y="5692187"/>
+              <a:ext cx="201456" cy="201456"/>
+            </a:xfrm>
+            <a:prstGeom prst="rect">
+              <a:avLst/>
+            </a:prstGeom>
+            <a:solidFill>
+              <a:srgbClr val="FEE0D2">
+                <a:alpha val="100000"/>
+              </a:srgbClr>
+            </a:solidFill>
+          </p:spPr>
+          <p:txBody>
+            <a:bodyPr/>
+            <a:lstStyle/>
+            <a:p/>
+          </p:txBody>
+        </p:sp>
+        <p:sp>
+          <p:nvSpPr>
+            <p:cNvPr id="106" name="rc106"/>
+            <p:cNvSpPr/>
+            <p:nvPr/>
+          </p:nvSpPr>
+          <p:spPr>
+            <a:xfrm>
+              <a:off x="5580413" y="5683187"/>
+              <a:ext cx="219455" cy="219455"/>
+            </a:xfrm>
+            <a:prstGeom prst="rect">
+              <a:avLst/>
+            </a:prstGeom>
+            <a:solidFill>
+              <a:srgbClr val="FFFFFF">
+                <a:alpha val="100000"/>
+              </a:srgbClr>
+            </a:solidFill>
+          </p:spPr>
+          <p:txBody>
+            <a:bodyPr/>
+            <a:lstStyle/>
+            <a:p/>
+          </p:txBody>
+        </p:sp>
+        <p:sp>
+          <p:nvSpPr>
+            <p:cNvPr id="107" name="rc107"/>
+            <p:cNvSpPr/>
+            <p:nvPr/>
+          </p:nvSpPr>
+          <p:spPr>
+            <a:xfrm>
+              <a:off x="5589413" y="5692187"/>
+              <a:ext cx="201456" cy="201456"/>
+            </a:xfrm>
+            <a:prstGeom prst="rect">
+              <a:avLst/>
+            </a:prstGeom>
+            <a:solidFill>
+              <a:srgbClr val="FC9272">
+                <a:alpha val="100000"/>
+              </a:srgbClr>
+            </a:solidFill>
+          </p:spPr>
+          <p:txBody>
+            <a:bodyPr/>
+            <a:lstStyle/>
+            <a:p/>
+          </p:txBody>
+        </p:sp>
+        <p:sp>
+          <p:nvSpPr>
+            <p:cNvPr id="108" name="tx108"/>
+            <p:cNvSpPr/>
+            <p:nvPr/>
+          </p:nvSpPr>
+          <p:spPr>
+            <a:xfrm>
+              <a:off x="5320171" y="5763065"/>
+              <a:ext cx="167640" cy="69850"/>
+            </a:xfrm>
+            <a:prstGeom prst="rect">
+              <a:avLst/>
+            </a:prstGeom>
+            <a:noFill/>
+          </p:spPr>
+          <p:txBody>
+            <a:bodyPr lIns="0" rIns="0" tIns="0" bIns="0" anchorCtr="1" anchor="ctr" wrap="none"/>
+            <a:lstStyle/>
+            <a:p>
+              <a:pPr algn="l" marL="0" marR="0" indent="0">
+                <a:lnSpc>
+                  <a:spcPts val="880"/>
+                </a:lnSpc>
+                <a:spcBef>
+                  <a:spcPts val="0"/>
+                </a:spcBef>
+                <a:spcAft>
+                  <a:spcPts val="0"/>
+                </a:spcAft>
+              </a:pPr>
+              <a:r>
+                <a:rPr sz="880">
+                  <a:solidFill>
+                    <a:srgbClr val="000000">
+                      <a:alpha val="100000"/>
+                    </a:srgbClr>
+                  </a:solidFill>
+                  <a:latin typeface="Arial"/>
+                  <a:cs typeface="Arial"/>
+                </a:rPr>
+                <a:t>必要</a:t>
+              </a:r>
+            </a:p>
+          </p:txBody>
+        </p:sp>
+        <p:sp>
+          <p:nvSpPr>
+            <p:cNvPr id="109" name="tx109"/>
+            <p:cNvSpPr/>
+            <p:nvPr/>
+          </p:nvSpPr>
+          <p:spPr>
+            <a:xfrm>
+              <a:off x="5869458" y="5763065"/>
+              <a:ext cx="251460" cy="69850"/>
+            </a:xfrm>
+            <a:prstGeom prst="rect">
+              <a:avLst/>
+            </a:prstGeom>
+            <a:noFill/>
+          </p:spPr>
+          <p:txBody>
+            <a:bodyPr lIns="0" rIns="0" tIns="0" bIns="0" anchorCtr="1" anchor="ctr" wrap="none"/>
+            <a:lstStyle/>
+            <a:p>
+              <a:pPr algn="l" marL="0" marR="0" indent="0">
+                <a:lnSpc>
+                  <a:spcPts val="880"/>
+                </a:lnSpc>
+                <a:spcBef>
+                  <a:spcPts val="0"/>
+                </a:spcBef>
+                <a:spcAft>
+                  <a:spcPts val="0"/>
+                </a:spcAft>
+              </a:pPr>
+              <a:r>
+                <a:rPr sz="880">
+                  <a:solidFill>
+                    <a:srgbClr val="000000">
+                      <a:alpha val="100000"/>
+                    </a:srgbClr>
+                  </a:solidFill>
+                  <a:latin typeface="Arial"/>
+                  <a:cs typeface="Arial"/>
+                </a:rPr>
+                <a:t>不必要</a:t>
               </a:r>
             </a:p>
           </p:txBody>
